--- a/DEEP LEARNING 1.pptx
+++ b/DEEP LEARNING 1.pptx
@@ -22,7 +22,16 @@
     <p:sldId id="270" r:id="rId16"/>
     <p:sldId id="271" r:id="rId17"/>
     <p:sldId id="272" r:id="rId18"/>
-    <p:sldId id="273" r:id="rId19"/>
+    <p:sldId id="274" r:id="rId19"/>
+    <p:sldId id="275" r:id="rId20"/>
+    <p:sldId id="276" r:id="rId21"/>
+    <p:sldId id="278" r:id="rId22"/>
+    <p:sldId id="277" r:id="rId23"/>
+    <p:sldId id="281" r:id="rId24"/>
+    <p:sldId id="279" r:id="rId25"/>
+    <p:sldId id="282" r:id="rId26"/>
+    <p:sldId id="283" r:id="rId27"/>
+    <p:sldId id="273" r:id="rId28"/>
   </p:sldIdLst>
   <p:sldSz cx="9144000" cy="6858000" type="screen4x3"/>
   <p:notesSz cx="6858000" cy="9144000"/>
@@ -3842,6 +3851,13 @@
   <p:clrMapOvr>
     <a:masterClrMapping/>
   </p:clrMapOvr>
+  <p:timing>
+    <p:tnLst>
+      <p:par>
+        <p:cTn id="1" dur="indefinite" restart="never" nodeType="tmRoot"/>
+      </p:par>
+    </p:tnLst>
+  </p:timing>
 </p:sld>
 </file>
 
@@ -4036,6 +4052,13 @@
   <p:clrMapOvr>
     <a:masterClrMapping/>
   </p:clrMapOvr>
+  <p:timing>
+    <p:tnLst>
+      <p:par>
+        <p:cTn id="1" dur="indefinite" restart="never" nodeType="tmRoot"/>
+      </p:par>
+    </p:tnLst>
+  </p:timing>
 </p:sld>
 </file>
 
@@ -4160,6 +4183,13 @@
   <p:clrMapOvr>
     <a:masterClrMapping/>
   </p:clrMapOvr>
+  <p:timing>
+    <p:tnLst>
+      <p:par>
+        <p:cTn id="1" dur="indefinite" restart="never" nodeType="tmRoot"/>
+      </p:par>
+    </p:tnLst>
+  </p:timing>
 </p:sld>
 </file>
 
@@ -4298,6 +4328,13 @@
   <p:clrMapOvr>
     <a:masterClrMapping/>
   </p:clrMapOvr>
+  <p:timing>
+    <p:tnLst>
+      <p:par>
+        <p:cTn id="1" dur="indefinite" restart="never" nodeType="tmRoot"/>
+      </p:par>
+    </p:tnLst>
+  </p:timing>
 </p:sld>
 </file>
 
@@ -4470,6 +4507,13 @@
   <p:clrMapOvr>
     <a:masterClrMapping/>
   </p:clrMapOvr>
+  <p:timing>
+    <p:tnLst>
+      <p:par>
+        <p:cTn id="1" dur="indefinite" restart="never" nodeType="tmRoot"/>
+      </p:par>
+    </p:tnLst>
+  </p:timing>
 </p:sld>
 </file>
 
@@ -4623,6 +4667,13 @@
   <p:clrMapOvr>
     <a:masterClrMapping/>
   </p:clrMapOvr>
+  <p:timing>
+    <p:tnLst>
+      <p:par>
+        <p:cTn id="1" dur="indefinite" restart="never" nodeType="tmRoot"/>
+      </p:par>
+    </p:tnLst>
+  </p:timing>
 </p:sld>
 </file>
 
@@ -4790,6 +4841,13 @@
   <p:clrMapOvr>
     <a:masterClrMapping/>
   </p:clrMapOvr>
+  <p:timing>
+    <p:tnLst>
+      <p:par>
+        <p:cTn id="1" dur="indefinite" restart="never" nodeType="tmRoot"/>
+      </p:par>
+    </p:tnLst>
+  </p:timing>
 </p:sld>
 </file>
 
@@ -5109,10 +5167,1981 @@
   <p:clrMapOvr>
     <a:masterClrMapping/>
   </p:clrMapOvr>
+  <p:timing>
+    <p:tnLst>
+      <p:par>
+        <p:cTn id="1" dur="indefinite" restart="never" nodeType="tmRoot"/>
+      </p:par>
+    </p:tnLst>
+  </p:timing>
 </p:sld>
 </file>
 
 <file path=ppt/slides/slide18.xml><?xml version="1.0" encoding="utf-8"?>
+<p:sld xmlns:a="http://schemas.openxmlformats.org/drawingml/2006/main" xmlns:r="http://schemas.openxmlformats.org/officeDocument/2006/relationships" xmlns:p="http://schemas.openxmlformats.org/presentationml/2006/main">
+  <p:cSld>
+    <p:spTree>
+      <p:nvGrpSpPr>
+        <p:cNvPr id="1" name=""/>
+        <p:cNvGrpSpPr/>
+        <p:nvPr/>
+      </p:nvGrpSpPr>
+      <p:grpSpPr>
+        <a:xfrm>
+          <a:off x="0" y="0"/>
+          <a:ext cx="0" cy="0"/>
+          <a:chOff x="0" y="0"/>
+          <a:chExt cx="0" cy="0"/>
+        </a:xfrm>
+      </p:grpSpPr>
+      <p:sp>
+        <p:nvSpPr>
+          <p:cNvPr id="2" name="Title 1"/>
+          <p:cNvSpPr>
+            <a:spLocks noGrp="1"/>
+          </p:cNvSpPr>
+          <p:nvPr>
+            <p:ph type="title"/>
+          </p:nvPr>
+        </p:nvSpPr>
+        <p:spPr/>
+        <p:txBody>
+          <a:bodyPr/>
+          <a:lstStyle/>
+          <a:p>
+            <a:r>
+              <a:rPr lang="id-ID" dirty="0" smtClean="0"/>
+              <a:t>Operator Python</a:t>
+            </a:r>
+            <a:endParaRPr lang="id-ID" dirty="0"/>
+          </a:p>
+        </p:txBody>
+      </p:sp>
+      <p:sp>
+        <p:nvSpPr>
+          <p:cNvPr id="3" name="Content Placeholder 2"/>
+          <p:cNvSpPr>
+            <a:spLocks noGrp="1"/>
+          </p:cNvSpPr>
+          <p:nvPr>
+            <p:ph idx="1"/>
+          </p:nvPr>
+        </p:nvSpPr>
+        <p:spPr/>
+        <p:txBody>
+          <a:bodyPr/>
+          <a:lstStyle/>
+          <a:p>
+            <a:r>
+              <a:rPr lang="id-ID" dirty="0" smtClean="0"/>
+              <a:t>Operator Aritmatika(Arithmethic)</a:t>
+            </a:r>
+          </a:p>
+          <a:p>
+            <a:r>
+              <a:rPr lang="id-ID" dirty="0" smtClean="0"/>
+              <a:t>Operator Perbandingan(Comparisson)</a:t>
+            </a:r>
+          </a:p>
+          <a:p>
+            <a:r>
+              <a:rPr lang="id-ID" dirty="0" smtClean="0"/>
+              <a:t>Operator Penugasan(Assignment)</a:t>
+            </a:r>
+          </a:p>
+          <a:p>
+            <a:r>
+              <a:rPr lang="id-ID" dirty="0" smtClean="0"/>
+              <a:t>Operator Logika(Logical)</a:t>
+            </a:r>
+          </a:p>
+          <a:p>
+            <a:r>
+              <a:rPr lang="id-ID" dirty="0" smtClean="0"/>
+              <a:t>Operator Bitwise(Bitwise)</a:t>
+            </a:r>
+          </a:p>
+          <a:p>
+            <a:r>
+              <a:rPr lang="id-ID" dirty="0" smtClean="0"/>
+              <a:t>Operator Keanggotaan(Memebership)</a:t>
+            </a:r>
+          </a:p>
+          <a:p>
+            <a:r>
+              <a:rPr lang="id-ID" dirty="0" smtClean="0"/>
+              <a:t>Operator Identitas(Identity)</a:t>
+            </a:r>
+            <a:endParaRPr lang="id-ID" dirty="0"/>
+          </a:p>
+        </p:txBody>
+      </p:sp>
+    </p:spTree>
+    <p:extLst>
+      <p:ext uri="{BB962C8B-B14F-4D97-AF65-F5344CB8AC3E}">
+        <p14:creationId xmlns:p14="http://schemas.microsoft.com/office/powerpoint/2010/main" val="3948500966"/>
+      </p:ext>
+    </p:extLst>
+  </p:cSld>
+  <p:clrMapOvr>
+    <a:masterClrMapping/>
+  </p:clrMapOvr>
+  <p:timing>
+    <p:tnLst>
+      <p:par>
+        <p:cTn id="1" dur="indefinite" restart="never" nodeType="tmRoot"/>
+      </p:par>
+    </p:tnLst>
+  </p:timing>
+</p:sld>
+</file>
+
+<file path=ppt/slides/slide19.xml><?xml version="1.0" encoding="utf-8"?>
+<p:sld xmlns:a="http://schemas.openxmlformats.org/drawingml/2006/main" xmlns:r="http://schemas.openxmlformats.org/officeDocument/2006/relationships" xmlns:p="http://schemas.openxmlformats.org/presentationml/2006/main">
+  <p:cSld>
+    <p:spTree>
+      <p:nvGrpSpPr>
+        <p:cNvPr id="1" name=""/>
+        <p:cNvGrpSpPr/>
+        <p:nvPr/>
+      </p:nvGrpSpPr>
+      <p:grpSpPr>
+        <a:xfrm>
+          <a:off x="0" y="0"/>
+          <a:ext cx="0" cy="0"/>
+          <a:chOff x="0" y="0"/>
+          <a:chExt cx="0" cy="0"/>
+        </a:xfrm>
+      </p:grpSpPr>
+      <p:sp>
+        <p:nvSpPr>
+          <p:cNvPr id="2" name="Title 1"/>
+          <p:cNvSpPr>
+            <a:spLocks noGrp="1"/>
+          </p:cNvSpPr>
+          <p:nvPr>
+            <p:ph type="title"/>
+          </p:nvPr>
+        </p:nvSpPr>
+        <p:spPr/>
+        <p:txBody>
+          <a:bodyPr/>
+          <a:lstStyle/>
+          <a:p>
+            <a:r>
+              <a:rPr lang="id-ID" dirty="0" smtClean="0"/>
+              <a:t>Operator Python</a:t>
+            </a:r>
+            <a:endParaRPr lang="id-ID" dirty="0"/>
+          </a:p>
+        </p:txBody>
+      </p:sp>
+      <p:sp>
+        <p:nvSpPr>
+          <p:cNvPr id="3" name="Content Placeholder 2"/>
+          <p:cNvSpPr>
+            <a:spLocks noGrp="1"/>
+          </p:cNvSpPr>
+          <p:nvPr>
+            <p:ph idx="1"/>
+          </p:nvPr>
+        </p:nvSpPr>
+        <p:spPr/>
+        <p:txBody>
+          <a:bodyPr/>
+          <a:lstStyle/>
+          <a:p>
+            <a:pPr marL="64008" indent="0">
+              <a:buNone/>
+            </a:pPr>
+            <a:r>
+              <a:rPr lang="id-ID" dirty="0" smtClean="0"/>
+              <a:t>Operator Aritmatika</a:t>
+            </a:r>
+          </a:p>
+          <a:p>
+            <a:r>
+              <a:rPr lang="id-ID" dirty="0" smtClean="0"/>
+              <a:t>Pangkat (**)</a:t>
+            </a:r>
+          </a:p>
+          <a:p>
+            <a:r>
+              <a:rPr lang="id-ID" dirty="0" smtClean="0"/>
+              <a:t>Perkalian (*)</a:t>
+            </a:r>
+          </a:p>
+          <a:p>
+            <a:r>
+              <a:rPr lang="id-ID" dirty="0" smtClean="0"/>
+              <a:t>Pembagian (/)</a:t>
+            </a:r>
+          </a:p>
+          <a:p>
+            <a:r>
+              <a:rPr lang="id-ID" dirty="0" smtClean="0"/>
+              <a:t>Sisa hasil bagi (%)</a:t>
+            </a:r>
+          </a:p>
+          <a:p>
+            <a:r>
+              <a:rPr lang="id-ID" dirty="0" smtClean="0"/>
+              <a:t>Penjumlahan (+)</a:t>
+            </a:r>
+          </a:p>
+          <a:p>
+            <a:r>
+              <a:rPr lang="id-ID" dirty="0" smtClean="0"/>
+              <a:t>Pengurangan (-)</a:t>
+            </a:r>
+          </a:p>
+          <a:p>
+            <a:endParaRPr lang="id-ID" dirty="0" smtClean="0"/>
+          </a:p>
+          <a:p>
+            <a:endParaRPr lang="id-ID" dirty="0"/>
+          </a:p>
+        </p:txBody>
+      </p:sp>
+      <p:pic>
+        <p:nvPicPr>
+          <p:cNvPr id="12290" name="Picture 2"/>
+          <p:cNvPicPr>
+            <a:picLocks noChangeAspect="1" noChangeArrowheads="1"/>
+          </p:cNvPicPr>
+          <p:nvPr/>
+        </p:nvPicPr>
+        <p:blipFill>
+          <a:blip r:embed="rId2">
+            <a:extLst>
+              <a:ext uri="{28A0092B-C50C-407E-A947-70E740481C1C}">
+                <a14:useLocalDpi xmlns:a14="http://schemas.microsoft.com/office/drawing/2010/main" val="0"/>
+              </a:ext>
+            </a:extLst>
+          </a:blip>
+          <a:srcRect/>
+          <a:stretch>
+            <a:fillRect/>
+          </a:stretch>
+        </p:blipFill>
+        <p:spPr bwMode="auto">
+          <a:xfrm>
+            <a:off x="5004048" y="1988840"/>
+            <a:ext cx="2880320" cy="4104456"/>
+          </a:xfrm>
+          <a:prstGeom prst="rect">
+            <a:avLst/>
+          </a:prstGeom>
+          <a:noFill/>
+          <a:ln>
+            <a:noFill/>
+          </a:ln>
+          <a:extLst>
+            <a:ext uri="{909E8E84-426E-40DD-AFC4-6F175D3DCCD1}">
+              <a14:hiddenFill xmlns:a14="http://schemas.microsoft.com/office/drawing/2010/main">
+                <a:solidFill>
+                  <a:schemeClr val="accent1"/>
+                </a:solidFill>
+              </a14:hiddenFill>
+            </a:ext>
+            <a:ext uri="{91240B29-F687-4F45-9708-019B960494DF}">
+              <a14:hiddenLine xmlns:a14="http://schemas.microsoft.com/office/drawing/2010/main" w="9525">
+                <a:solidFill>
+                  <a:schemeClr val="tx1"/>
+                </a:solidFill>
+                <a:miter lim="800000"/>
+                <a:headEnd/>
+                <a:tailEnd/>
+              </a14:hiddenLine>
+            </a:ext>
+          </a:extLst>
+        </p:spPr>
+      </p:pic>
+    </p:spTree>
+    <p:extLst>
+      <p:ext uri="{BB962C8B-B14F-4D97-AF65-F5344CB8AC3E}">
+        <p14:creationId xmlns:p14="http://schemas.microsoft.com/office/powerpoint/2010/main" val="3142576180"/>
+      </p:ext>
+    </p:extLst>
+  </p:cSld>
+  <p:clrMapOvr>
+    <a:masterClrMapping/>
+  </p:clrMapOvr>
+  <p:timing>
+    <p:tnLst>
+      <p:par>
+        <p:cTn id="1" dur="indefinite" restart="never" nodeType="tmRoot"/>
+      </p:par>
+    </p:tnLst>
+  </p:timing>
+</p:sld>
+</file>
+
+<file path=ppt/slides/slide2.xml><?xml version="1.0" encoding="utf-8"?>
+<p:sld xmlns:a="http://schemas.openxmlformats.org/drawingml/2006/main" xmlns:r="http://schemas.openxmlformats.org/officeDocument/2006/relationships" xmlns:p="http://schemas.openxmlformats.org/presentationml/2006/main">
+  <p:cSld>
+    <p:spTree>
+      <p:nvGrpSpPr>
+        <p:cNvPr id="1" name=""/>
+        <p:cNvGrpSpPr/>
+        <p:nvPr/>
+      </p:nvGrpSpPr>
+      <p:grpSpPr>
+        <a:xfrm>
+          <a:off x="0" y="0"/>
+          <a:ext cx="0" cy="0"/>
+          <a:chOff x="0" y="0"/>
+          <a:chExt cx="0" cy="0"/>
+        </a:xfrm>
+      </p:grpSpPr>
+      <p:sp>
+        <p:nvSpPr>
+          <p:cNvPr id="2" name="Title 1"/>
+          <p:cNvSpPr>
+            <a:spLocks noGrp="1"/>
+          </p:cNvSpPr>
+          <p:nvPr>
+            <p:ph type="title"/>
+          </p:nvPr>
+        </p:nvSpPr>
+        <p:spPr/>
+        <p:txBody>
+          <a:bodyPr/>
+          <a:lstStyle/>
+          <a:p>
+            <a:r>
+              <a:rPr lang="id-ID" dirty="0" smtClean="0">
+                <a:latin typeface="Times New Roman" panose="02020603050405020304" pitchFamily="18" charset="0"/>
+                <a:cs typeface="Times New Roman" panose="02020603050405020304" pitchFamily="18" charset="0"/>
+              </a:rPr>
+              <a:t>Pengertian Python?</a:t>
+            </a:r>
+            <a:endParaRPr lang="id-ID" dirty="0">
+              <a:latin typeface="Times New Roman" panose="02020603050405020304" pitchFamily="18" charset="0"/>
+              <a:cs typeface="Times New Roman" panose="02020603050405020304" pitchFamily="18" charset="0"/>
+            </a:endParaRPr>
+          </a:p>
+        </p:txBody>
+      </p:sp>
+      <p:sp>
+        <p:nvSpPr>
+          <p:cNvPr id="3" name="Content Placeholder 2"/>
+          <p:cNvSpPr>
+            <a:spLocks noGrp="1"/>
+          </p:cNvSpPr>
+          <p:nvPr>
+            <p:ph idx="1"/>
+          </p:nvPr>
+        </p:nvSpPr>
+        <p:spPr/>
+        <p:txBody>
+          <a:bodyPr/>
+          <a:lstStyle/>
+          <a:p>
+            <a:r>
+              <a:rPr lang="id-ID" dirty="0" smtClean="0">
+                <a:latin typeface="Times New Roman" panose="02020603050405020304" pitchFamily="18" charset="0"/>
+                <a:cs typeface="Times New Roman" panose="02020603050405020304" pitchFamily="18" charset="0"/>
+              </a:rPr>
+              <a:t>Python adalah merupakan bahasa pemrograman tingkat tinggi yang dikembangkan pada tahun 1991 oleh Guido Van Rossum.</a:t>
+            </a:r>
+          </a:p>
+          <a:p>
+            <a:r>
+              <a:rPr lang="id-ID" dirty="0" smtClean="0">
+                <a:latin typeface="Times New Roman" panose="02020603050405020304" pitchFamily="18" charset="0"/>
+                <a:cs typeface="Times New Roman" panose="02020603050405020304" pitchFamily="18" charset="0"/>
+              </a:rPr>
+              <a:t>Python sendiri menggunakan konsep OOP(Object Oriented Programming) dan dikenal dengan bahasa pemrograman yang sangat mudah dipelajari, karena struktur sintaksnya yang rapi dan sangat mudah dipahami</a:t>
+            </a:r>
+          </a:p>
+        </p:txBody>
+      </p:sp>
+    </p:spTree>
+    <p:extLst>
+      <p:ext uri="{BB962C8B-B14F-4D97-AF65-F5344CB8AC3E}">
+        <p14:creationId xmlns:p14="http://schemas.microsoft.com/office/powerpoint/2010/main" val="3116395929"/>
+      </p:ext>
+    </p:extLst>
+  </p:cSld>
+  <p:clrMapOvr>
+    <a:masterClrMapping/>
+  </p:clrMapOvr>
+</p:sld>
+</file>
+
+<file path=ppt/slides/slide20.xml><?xml version="1.0" encoding="utf-8"?>
+<p:sld xmlns:a="http://schemas.openxmlformats.org/drawingml/2006/main" xmlns:r="http://schemas.openxmlformats.org/officeDocument/2006/relationships" xmlns:p="http://schemas.openxmlformats.org/presentationml/2006/main">
+  <p:cSld>
+    <p:spTree>
+      <p:nvGrpSpPr>
+        <p:cNvPr id="1" name=""/>
+        <p:cNvGrpSpPr/>
+        <p:nvPr/>
+      </p:nvGrpSpPr>
+      <p:grpSpPr>
+        <a:xfrm>
+          <a:off x="0" y="0"/>
+          <a:ext cx="0" cy="0"/>
+          <a:chOff x="0" y="0"/>
+          <a:chExt cx="0" cy="0"/>
+        </a:xfrm>
+      </p:grpSpPr>
+      <p:sp>
+        <p:nvSpPr>
+          <p:cNvPr id="2" name="Title 1"/>
+          <p:cNvSpPr>
+            <a:spLocks noGrp="1"/>
+          </p:cNvSpPr>
+          <p:nvPr>
+            <p:ph type="title"/>
+          </p:nvPr>
+        </p:nvSpPr>
+        <p:spPr/>
+        <p:txBody>
+          <a:bodyPr/>
+          <a:lstStyle/>
+          <a:p>
+            <a:r>
+              <a:rPr lang="id-ID" dirty="0" smtClean="0"/>
+              <a:t>Operator Python</a:t>
+            </a:r>
+            <a:endParaRPr lang="id-ID" dirty="0"/>
+          </a:p>
+        </p:txBody>
+      </p:sp>
+      <p:sp>
+        <p:nvSpPr>
+          <p:cNvPr id="3" name="Content Placeholder 2"/>
+          <p:cNvSpPr>
+            <a:spLocks noGrp="1"/>
+          </p:cNvSpPr>
+          <p:nvPr>
+            <p:ph idx="1"/>
+          </p:nvPr>
+        </p:nvSpPr>
+        <p:spPr/>
+        <p:txBody>
+          <a:bodyPr>
+            <a:normAutofit fontScale="92500" lnSpcReduction="20000"/>
+          </a:bodyPr>
+          <a:lstStyle/>
+          <a:p>
+            <a:pPr marL="64008" indent="0">
+              <a:buNone/>
+            </a:pPr>
+            <a:r>
+              <a:rPr lang="id-ID" dirty="0" smtClean="0"/>
+              <a:t>Operator Perbandingan</a:t>
+            </a:r>
+          </a:p>
+          <a:p>
+            <a:r>
+              <a:rPr lang="id-ID" dirty="0" smtClean="0"/>
+              <a:t>Sama dengan (==)</a:t>
+            </a:r>
+          </a:p>
+          <a:p>
+            <a:r>
+              <a:rPr lang="id-ID" dirty="0" smtClean="0"/>
+              <a:t>Tidak sama dengan </a:t>
+            </a:r>
+          </a:p>
+          <a:p>
+            <a:pPr marL="64008" indent="0">
+              <a:buNone/>
+            </a:pPr>
+            <a:r>
+              <a:rPr lang="id-ID" dirty="0"/>
+              <a:t> </a:t>
+            </a:r>
+            <a:r>
+              <a:rPr lang="id-ID" dirty="0" smtClean="0"/>
+              <a:t>   (!= atau &lt;&gt;)</a:t>
+            </a:r>
+          </a:p>
+          <a:p>
+            <a:r>
+              <a:rPr lang="id-ID" dirty="0" smtClean="0"/>
+              <a:t>Lebih besar dari (&gt;)</a:t>
+            </a:r>
+          </a:p>
+          <a:p>
+            <a:r>
+              <a:rPr lang="id-ID" dirty="0" smtClean="0"/>
+              <a:t>Lebih kecil dari (&lt;)</a:t>
+            </a:r>
+          </a:p>
+          <a:p>
+            <a:r>
+              <a:rPr lang="id-ID" dirty="0" smtClean="0"/>
+              <a:t>Lebih besar sama </a:t>
+            </a:r>
+          </a:p>
+          <a:p>
+            <a:pPr marL="64008" indent="0">
+              <a:buNone/>
+            </a:pPr>
+            <a:r>
+              <a:rPr lang="id-ID" dirty="0"/>
+              <a:t> </a:t>
+            </a:r>
+            <a:r>
+              <a:rPr lang="id-ID" dirty="0" smtClean="0"/>
+              <a:t>   dengan (&gt;=)</a:t>
+            </a:r>
+          </a:p>
+          <a:p>
+            <a:r>
+              <a:rPr lang="id-ID" dirty="0" smtClean="0"/>
+              <a:t>Lebih kecil sama </a:t>
+            </a:r>
+          </a:p>
+          <a:p>
+            <a:pPr marL="64008" indent="0">
+              <a:buNone/>
+            </a:pPr>
+            <a:r>
+              <a:rPr lang="id-ID" dirty="0"/>
+              <a:t> </a:t>
+            </a:r>
+            <a:r>
+              <a:rPr lang="id-ID" dirty="0" smtClean="0"/>
+              <a:t>  dengan (&lt;=)</a:t>
+            </a:r>
+          </a:p>
+          <a:p>
+            <a:pPr marL="64008" indent="0">
+              <a:buNone/>
+            </a:pPr>
+            <a:endParaRPr lang="id-ID" dirty="0"/>
+          </a:p>
+        </p:txBody>
+      </p:sp>
+      <p:pic>
+        <p:nvPicPr>
+          <p:cNvPr id="13314" name="Picture 2"/>
+          <p:cNvPicPr>
+            <a:picLocks noChangeAspect="1" noChangeArrowheads="1"/>
+          </p:cNvPicPr>
+          <p:nvPr/>
+        </p:nvPicPr>
+        <p:blipFill>
+          <a:blip r:embed="rId2">
+            <a:extLst>
+              <a:ext uri="{28A0092B-C50C-407E-A947-70E740481C1C}">
+                <a14:useLocalDpi xmlns:a14="http://schemas.microsoft.com/office/drawing/2010/main" val="0"/>
+              </a:ext>
+            </a:extLst>
+          </a:blip>
+          <a:srcRect/>
+          <a:stretch>
+            <a:fillRect/>
+          </a:stretch>
+        </p:blipFill>
+        <p:spPr bwMode="auto">
+          <a:xfrm>
+            <a:off x="6084168" y="1988840"/>
+            <a:ext cx="2808312" cy="1368152"/>
+          </a:xfrm>
+          <a:prstGeom prst="rect">
+            <a:avLst/>
+          </a:prstGeom>
+          <a:noFill/>
+          <a:ln>
+            <a:noFill/>
+          </a:ln>
+          <a:extLst>
+            <a:ext uri="{909E8E84-426E-40DD-AFC4-6F175D3DCCD1}">
+              <a14:hiddenFill xmlns:a14="http://schemas.microsoft.com/office/drawing/2010/main">
+                <a:solidFill>
+                  <a:schemeClr val="accent1"/>
+                </a:solidFill>
+              </a14:hiddenFill>
+            </a:ext>
+            <a:ext uri="{91240B29-F687-4F45-9708-019B960494DF}">
+              <a14:hiddenLine xmlns:a14="http://schemas.microsoft.com/office/drawing/2010/main" w="9525">
+                <a:solidFill>
+                  <a:schemeClr val="tx1"/>
+                </a:solidFill>
+                <a:miter lim="800000"/>
+                <a:headEnd/>
+                <a:tailEnd/>
+              </a14:hiddenLine>
+            </a:ext>
+          </a:extLst>
+        </p:spPr>
+      </p:pic>
+      <p:pic>
+        <p:nvPicPr>
+          <p:cNvPr id="13315" name="Picture 3"/>
+          <p:cNvPicPr>
+            <a:picLocks noChangeAspect="1" noChangeArrowheads="1"/>
+          </p:cNvPicPr>
+          <p:nvPr/>
+        </p:nvPicPr>
+        <p:blipFill>
+          <a:blip r:embed="rId3">
+            <a:extLst>
+              <a:ext uri="{28A0092B-C50C-407E-A947-70E740481C1C}">
+                <a14:useLocalDpi xmlns:a14="http://schemas.microsoft.com/office/drawing/2010/main" val="0"/>
+              </a:ext>
+            </a:extLst>
+          </a:blip>
+          <a:srcRect/>
+          <a:stretch>
+            <a:fillRect/>
+          </a:stretch>
+        </p:blipFill>
+        <p:spPr bwMode="auto">
+          <a:xfrm>
+            <a:off x="6101744" y="3374302"/>
+            <a:ext cx="2790736" cy="2325960"/>
+          </a:xfrm>
+          <a:prstGeom prst="rect">
+            <a:avLst/>
+          </a:prstGeom>
+          <a:noFill/>
+          <a:ln>
+            <a:noFill/>
+          </a:ln>
+          <a:extLst>
+            <a:ext uri="{909E8E84-426E-40DD-AFC4-6F175D3DCCD1}">
+              <a14:hiddenFill xmlns:a14="http://schemas.microsoft.com/office/drawing/2010/main">
+                <a:solidFill>
+                  <a:schemeClr val="accent1"/>
+                </a:solidFill>
+              </a14:hiddenFill>
+            </a:ext>
+            <a:ext uri="{91240B29-F687-4F45-9708-019B960494DF}">
+              <a14:hiddenLine xmlns:a14="http://schemas.microsoft.com/office/drawing/2010/main" w="9525">
+                <a:solidFill>
+                  <a:schemeClr val="tx1"/>
+                </a:solidFill>
+                <a:miter lim="800000"/>
+                <a:headEnd/>
+                <a:tailEnd/>
+              </a14:hiddenLine>
+            </a:ext>
+          </a:extLst>
+        </p:spPr>
+      </p:pic>
+    </p:spTree>
+    <p:extLst>
+      <p:ext uri="{BB962C8B-B14F-4D97-AF65-F5344CB8AC3E}">
+        <p14:creationId xmlns:p14="http://schemas.microsoft.com/office/powerpoint/2010/main" val="3738350876"/>
+      </p:ext>
+    </p:extLst>
+  </p:cSld>
+  <p:clrMapOvr>
+    <a:masterClrMapping/>
+  </p:clrMapOvr>
+  <p:timing>
+    <p:tnLst>
+      <p:par>
+        <p:cTn id="1" dur="indefinite" restart="never" nodeType="tmRoot"/>
+      </p:par>
+    </p:tnLst>
+  </p:timing>
+</p:sld>
+</file>
+
+<file path=ppt/slides/slide21.xml><?xml version="1.0" encoding="utf-8"?>
+<p:sld xmlns:a="http://schemas.openxmlformats.org/drawingml/2006/main" xmlns:r="http://schemas.openxmlformats.org/officeDocument/2006/relationships" xmlns:p="http://schemas.openxmlformats.org/presentationml/2006/main">
+  <p:cSld>
+    <p:spTree>
+      <p:nvGrpSpPr>
+        <p:cNvPr id="1" name=""/>
+        <p:cNvGrpSpPr/>
+        <p:nvPr/>
+      </p:nvGrpSpPr>
+      <p:grpSpPr>
+        <a:xfrm>
+          <a:off x="0" y="0"/>
+          <a:ext cx="0" cy="0"/>
+          <a:chOff x="0" y="0"/>
+          <a:chExt cx="0" cy="0"/>
+        </a:xfrm>
+      </p:grpSpPr>
+      <p:sp>
+        <p:nvSpPr>
+          <p:cNvPr id="2" name="Title 1"/>
+          <p:cNvSpPr>
+            <a:spLocks noGrp="1"/>
+          </p:cNvSpPr>
+          <p:nvPr>
+            <p:ph type="title"/>
+          </p:nvPr>
+        </p:nvSpPr>
+        <p:spPr/>
+        <p:txBody>
+          <a:bodyPr/>
+          <a:lstStyle/>
+          <a:p>
+            <a:r>
+              <a:rPr lang="id-ID" dirty="0" smtClean="0"/>
+              <a:t>Operator Python</a:t>
+            </a:r>
+            <a:endParaRPr lang="id-ID" dirty="0"/>
+          </a:p>
+        </p:txBody>
+      </p:sp>
+      <p:sp>
+        <p:nvSpPr>
+          <p:cNvPr id="3" name="Content Placeholder 2"/>
+          <p:cNvSpPr>
+            <a:spLocks noGrp="1"/>
+          </p:cNvSpPr>
+          <p:nvPr>
+            <p:ph idx="1"/>
+          </p:nvPr>
+        </p:nvSpPr>
+        <p:spPr/>
+        <p:txBody>
+          <a:bodyPr>
+            <a:normAutofit lnSpcReduction="10000"/>
+          </a:bodyPr>
+          <a:lstStyle/>
+          <a:p>
+            <a:pPr marL="64008" indent="0">
+              <a:buNone/>
+            </a:pPr>
+            <a:r>
+              <a:rPr lang="id-ID" dirty="0" smtClean="0"/>
+              <a:t>Operator Penugasan</a:t>
+            </a:r>
+          </a:p>
+          <a:p>
+            <a:r>
+              <a:rPr lang="id-ID" dirty="0" smtClean="0"/>
+              <a:t>= </a:t>
+            </a:r>
+          </a:p>
+          <a:p>
+            <a:r>
+              <a:rPr lang="id-ID" dirty="0" smtClean="0"/>
+              <a:t>+= </a:t>
+            </a:r>
+          </a:p>
+          <a:p>
+            <a:r>
+              <a:rPr lang="id-ID" dirty="0" smtClean="0"/>
+              <a:t>-= </a:t>
+            </a:r>
+          </a:p>
+          <a:p>
+            <a:r>
+              <a:rPr lang="id-ID" dirty="0" smtClean="0"/>
+              <a:t>*= </a:t>
+            </a:r>
+          </a:p>
+          <a:p>
+            <a:r>
+              <a:rPr lang="id-ID" dirty="0" smtClean="0"/>
+              <a:t>/= </a:t>
+            </a:r>
+          </a:p>
+          <a:p>
+            <a:r>
+              <a:rPr lang="id-ID" dirty="0" smtClean="0"/>
+              <a:t>%=</a:t>
+            </a:r>
+          </a:p>
+          <a:p>
+            <a:r>
+              <a:rPr lang="id-ID" dirty="0" smtClean="0"/>
+              <a:t>**=</a:t>
+            </a:r>
+          </a:p>
+          <a:p>
+            <a:r>
+              <a:rPr lang="id-ID" dirty="0" smtClean="0"/>
+              <a:t>//=</a:t>
+            </a:r>
+          </a:p>
+        </p:txBody>
+      </p:sp>
+      <p:pic>
+        <p:nvPicPr>
+          <p:cNvPr id="14338" name="Picture 2"/>
+          <p:cNvPicPr>
+            <a:picLocks noChangeAspect="1" noChangeArrowheads="1"/>
+          </p:cNvPicPr>
+          <p:nvPr/>
+        </p:nvPicPr>
+        <p:blipFill>
+          <a:blip r:embed="rId2">
+            <a:extLst>
+              <a:ext uri="{28A0092B-C50C-407E-A947-70E740481C1C}">
+                <a14:useLocalDpi xmlns:a14="http://schemas.microsoft.com/office/drawing/2010/main" val="0"/>
+              </a:ext>
+            </a:extLst>
+          </a:blip>
+          <a:srcRect/>
+          <a:stretch>
+            <a:fillRect/>
+          </a:stretch>
+        </p:blipFill>
+        <p:spPr bwMode="auto">
+          <a:xfrm>
+            <a:off x="5940152" y="260648"/>
+            <a:ext cx="2592288" cy="4248775"/>
+          </a:xfrm>
+          <a:prstGeom prst="rect">
+            <a:avLst/>
+          </a:prstGeom>
+          <a:noFill/>
+          <a:ln>
+            <a:noFill/>
+          </a:ln>
+          <a:extLst>
+            <a:ext uri="{909E8E84-426E-40DD-AFC4-6F175D3DCCD1}">
+              <a14:hiddenFill xmlns:a14="http://schemas.microsoft.com/office/drawing/2010/main">
+                <a:solidFill>
+                  <a:schemeClr val="accent1"/>
+                </a:solidFill>
+              </a14:hiddenFill>
+            </a:ext>
+            <a:ext uri="{91240B29-F687-4F45-9708-019B960494DF}">
+              <a14:hiddenLine xmlns:a14="http://schemas.microsoft.com/office/drawing/2010/main" w="9525">
+                <a:solidFill>
+                  <a:schemeClr val="tx1"/>
+                </a:solidFill>
+                <a:miter lim="800000"/>
+                <a:headEnd/>
+                <a:tailEnd/>
+              </a14:hiddenLine>
+            </a:ext>
+          </a:extLst>
+        </p:spPr>
+      </p:pic>
+      <p:pic>
+        <p:nvPicPr>
+          <p:cNvPr id="14339" name="Picture 3"/>
+          <p:cNvPicPr>
+            <a:picLocks noChangeAspect="1" noChangeArrowheads="1"/>
+          </p:cNvPicPr>
+          <p:nvPr/>
+        </p:nvPicPr>
+        <p:blipFill>
+          <a:blip r:embed="rId3">
+            <a:extLst>
+              <a:ext uri="{28A0092B-C50C-407E-A947-70E740481C1C}">
+                <a14:useLocalDpi xmlns:a14="http://schemas.microsoft.com/office/drawing/2010/main" val="0"/>
+              </a:ext>
+            </a:extLst>
+          </a:blip>
+          <a:srcRect/>
+          <a:stretch>
+            <a:fillRect/>
+          </a:stretch>
+        </p:blipFill>
+        <p:spPr bwMode="auto">
+          <a:xfrm>
+            <a:off x="5926211" y="4509422"/>
+            <a:ext cx="2576986" cy="2348577"/>
+          </a:xfrm>
+          <a:prstGeom prst="rect">
+            <a:avLst/>
+          </a:prstGeom>
+          <a:noFill/>
+          <a:ln>
+            <a:noFill/>
+          </a:ln>
+          <a:extLst>
+            <a:ext uri="{909E8E84-426E-40DD-AFC4-6F175D3DCCD1}">
+              <a14:hiddenFill xmlns:a14="http://schemas.microsoft.com/office/drawing/2010/main">
+                <a:solidFill>
+                  <a:schemeClr val="accent1"/>
+                </a:solidFill>
+              </a14:hiddenFill>
+            </a:ext>
+            <a:ext uri="{91240B29-F687-4F45-9708-019B960494DF}">
+              <a14:hiddenLine xmlns:a14="http://schemas.microsoft.com/office/drawing/2010/main" w="9525">
+                <a:solidFill>
+                  <a:schemeClr val="tx1"/>
+                </a:solidFill>
+                <a:miter lim="800000"/>
+                <a:headEnd/>
+                <a:tailEnd/>
+              </a14:hiddenLine>
+            </a:ext>
+          </a:extLst>
+        </p:spPr>
+      </p:pic>
+    </p:spTree>
+    <p:extLst>
+      <p:ext uri="{BB962C8B-B14F-4D97-AF65-F5344CB8AC3E}">
+        <p14:creationId xmlns:p14="http://schemas.microsoft.com/office/powerpoint/2010/main" val="4239530499"/>
+      </p:ext>
+    </p:extLst>
+  </p:cSld>
+  <p:clrMapOvr>
+    <a:masterClrMapping/>
+  </p:clrMapOvr>
+  <p:timing>
+    <p:tnLst>
+      <p:par>
+        <p:cTn id="1" dur="indefinite" restart="never" nodeType="tmRoot"/>
+      </p:par>
+    </p:tnLst>
+  </p:timing>
+</p:sld>
+</file>
+
+<file path=ppt/slides/slide22.xml><?xml version="1.0" encoding="utf-8"?>
+<p:sld xmlns:a="http://schemas.openxmlformats.org/drawingml/2006/main" xmlns:r="http://schemas.openxmlformats.org/officeDocument/2006/relationships" xmlns:p="http://schemas.openxmlformats.org/presentationml/2006/main">
+  <p:cSld>
+    <p:spTree>
+      <p:nvGrpSpPr>
+        <p:cNvPr id="1" name=""/>
+        <p:cNvGrpSpPr/>
+        <p:nvPr/>
+      </p:nvGrpSpPr>
+      <p:grpSpPr>
+        <a:xfrm>
+          <a:off x="0" y="0"/>
+          <a:ext cx="0" cy="0"/>
+          <a:chOff x="0" y="0"/>
+          <a:chExt cx="0" cy="0"/>
+        </a:xfrm>
+      </p:grpSpPr>
+      <p:sp>
+        <p:nvSpPr>
+          <p:cNvPr id="2" name="Title 1"/>
+          <p:cNvSpPr>
+            <a:spLocks noGrp="1"/>
+          </p:cNvSpPr>
+          <p:nvPr>
+            <p:ph type="title"/>
+          </p:nvPr>
+        </p:nvSpPr>
+        <p:spPr/>
+        <p:txBody>
+          <a:bodyPr/>
+          <a:lstStyle/>
+          <a:p>
+            <a:r>
+              <a:rPr lang="id-ID" dirty="0" smtClean="0"/>
+              <a:t>Operator Python</a:t>
+            </a:r>
+            <a:endParaRPr lang="id-ID" dirty="0"/>
+          </a:p>
+        </p:txBody>
+      </p:sp>
+      <p:sp>
+        <p:nvSpPr>
+          <p:cNvPr id="3" name="Content Placeholder 2"/>
+          <p:cNvSpPr>
+            <a:spLocks noGrp="1"/>
+          </p:cNvSpPr>
+          <p:nvPr>
+            <p:ph idx="1"/>
+          </p:nvPr>
+        </p:nvSpPr>
+        <p:spPr/>
+        <p:txBody>
+          <a:bodyPr/>
+          <a:lstStyle/>
+          <a:p>
+            <a:pPr marL="64008" indent="0">
+              <a:buNone/>
+            </a:pPr>
+            <a:r>
+              <a:rPr lang="id-ID" dirty="0" smtClean="0"/>
+              <a:t>Operator Logika</a:t>
+            </a:r>
+          </a:p>
+          <a:p>
+            <a:r>
+              <a:rPr lang="id-ID" dirty="0" smtClean="0"/>
+              <a:t>AND</a:t>
+            </a:r>
+          </a:p>
+          <a:p>
+            <a:r>
+              <a:rPr lang="id-ID" dirty="0" smtClean="0"/>
+              <a:t>OR</a:t>
+            </a:r>
+          </a:p>
+          <a:p>
+            <a:r>
+              <a:rPr lang="id-ID" dirty="0" smtClean="0"/>
+              <a:t>NOT</a:t>
+            </a:r>
+            <a:endParaRPr lang="id-ID" dirty="0"/>
+          </a:p>
+        </p:txBody>
+      </p:sp>
+      <p:pic>
+        <p:nvPicPr>
+          <p:cNvPr id="15362" name="Picture 2"/>
+          <p:cNvPicPr>
+            <a:picLocks noChangeAspect="1" noChangeArrowheads="1"/>
+          </p:cNvPicPr>
+          <p:nvPr/>
+        </p:nvPicPr>
+        <p:blipFill>
+          <a:blip r:embed="rId2">
+            <a:extLst>
+              <a:ext uri="{28A0092B-C50C-407E-A947-70E740481C1C}">
+                <a14:useLocalDpi xmlns:a14="http://schemas.microsoft.com/office/drawing/2010/main" val="0"/>
+              </a:ext>
+            </a:extLst>
+          </a:blip>
+          <a:srcRect/>
+          <a:stretch>
+            <a:fillRect/>
+          </a:stretch>
+        </p:blipFill>
+        <p:spPr bwMode="auto">
+          <a:xfrm>
+            <a:off x="5621096" y="1988840"/>
+            <a:ext cx="2119256" cy="1728192"/>
+          </a:xfrm>
+          <a:prstGeom prst="rect">
+            <a:avLst/>
+          </a:prstGeom>
+          <a:noFill/>
+          <a:ln>
+            <a:noFill/>
+          </a:ln>
+          <a:extLst>
+            <a:ext uri="{909E8E84-426E-40DD-AFC4-6F175D3DCCD1}">
+              <a14:hiddenFill xmlns:a14="http://schemas.microsoft.com/office/drawing/2010/main">
+                <a:solidFill>
+                  <a:schemeClr val="accent1"/>
+                </a:solidFill>
+              </a14:hiddenFill>
+            </a:ext>
+            <a:ext uri="{91240B29-F687-4F45-9708-019B960494DF}">
+              <a14:hiddenLine xmlns:a14="http://schemas.microsoft.com/office/drawing/2010/main" w="9525">
+                <a:solidFill>
+                  <a:schemeClr val="tx1"/>
+                </a:solidFill>
+                <a:miter lim="800000"/>
+                <a:headEnd/>
+                <a:tailEnd/>
+              </a14:hiddenLine>
+            </a:ext>
+          </a:extLst>
+        </p:spPr>
+      </p:pic>
+      <p:pic>
+        <p:nvPicPr>
+          <p:cNvPr id="15363" name="Picture 3"/>
+          <p:cNvPicPr>
+            <a:picLocks noChangeAspect="1" noChangeArrowheads="1"/>
+          </p:cNvPicPr>
+          <p:nvPr/>
+        </p:nvPicPr>
+        <p:blipFill>
+          <a:blip r:embed="rId3">
+            <a:extLst>
+              <a:ext uri="{28A0092B-C50C-407E-A947-70E740481C1C}">
+                <a14:useLocalDpi xmlns:a14="http://schemas.microsoft.com/office/drawing/2010/main" val="0"/>
+              </a:ext>
+            </a:extLst>
+          </a:blip>
+          <a:srcRect/>
+          <a:stretch>
+            <a:fillRect/>
+          </a:stretch>
+        </p:blipFill>
+        <p:spPr bwMode="auto">
+          <a:xfrm>
+            <a:off x="5621096" y="3687523"/>
+            <a:ext cx="2119256" cy="2304256"/>
+          </a:xfrm>
+          <a:prstGeom prst="rect">
+            <a:avLst/>
+          </a:prstGeom>
+          <a:noFill/>
+          <a:ln>
+            <a:noFill/>
+          </a:ln>
+          <a:extLst>
+            <a:ext uri="{909E8E84-426E-40DD-AFC4-6F175D3DCCD1}">
+              <a14:hiddenFill xmlns:a14="http://schemas.microsoft.com/office/drawing/2010/main">
+                <a:solidFill>
+                  <a:schemeClr val="accent1"/>
+                </a:solidFill>
+              </a14:hiddenFill>
+            </a:ext>
+            <a:ext uri="{91240B29-F687-4F45-9708-019B960494DF}">
+              <a14:hiddenLine xmlns:a14="http://schemas.microsoft.com/office/drawing/2010/main" w="9525">
+                <a:solidFill>
+                  <a:schemeClr val="tx1"/>
+                </a:solidFill>
+                <a:miter lim="800000"/>
+                <a:headEnd/>
+                <a:tailEnd/>
+              </a14:hiddenLine>
+            </a:ext>
+          </a:extLst>
+        </p:spPr>
+      </p:pic>
+    </p:spTree>
+    <p:extLst>
+      <p:ext uri="{BB962C8B-B14F-4D97-AF65-F5344CB8AC3E}">
+        <p14:creationId xmlns:p14="http://schemas.microsoft.com/office/powerpoint/2010/main" val="1743331211"/>
+      </p:ext>
+    </p:extLst>
+  </p:cSld>
+  <p:clrMapOvr>
+    <a:masterClrMapping/>
+  </p:clrMapOvr>
+  <p:timing>
+    <p:tnLst>
+      <p:par>
+        <p:cTn id="1" dur="indefinite" restart="never" nodeType="tmRoot"/>
+      </p:par>
+    </p:tnLst>
+  </p:timing>
+</p:sld>
+</file>
+
+<file path=ppt/slides/slide23.xml><?xml version="1.0" encoding="utf-8"?>
+<p:sld xmlns:a="http://schemas.openxmlformats.org/drawingml/2006/main" xmlns:r="http://schemas.openxmlformats.org/officeDocument/2006/relationships" xmlns:p="http://schemas.openxmlformats.org/presentationml/2006/main">
+  <p:cSld>
+    <p:spTree>
+      <p:nvGrpSpPr>
+        <p:cNvPr id="1" name=""/>
+        <p:cNvGrpSpPr/>
+        <p:nvPr/>
+      </p:nvGrpSpPr>
+      <p:grpSpPr>
+        <a:xfrm>
+          <a:off x="0" y="0"/>
+          <a:ext cx="0" cy="0"/>
+          <a:chOff x="0" y="0"/>
+          <a:chExt cx="0" cy="0"/>
+        </a:xfrm>
+      </p:grpSpPr>
+      <p:sp>
+        <p:nvSpPr>
+          <p:cNvPr id="2" name="Title 1"/>
+          <p:cNvSpPr>
+            <a:spLocks noGrp="1"/>
+          </p:cNvSpPr>
+          <p:nvPr>
+            <p:ph type="title"/>
+          </p:nvPr>
+        </p:nvSpPr>
+        <p:spPr/>
+        <p:txBody>
+          <a:bodyPr/>
+          <a:lstStyle/>
+          <a:p>
+            <a:r>
+              <a:rPr lang="id-ID" dirty="0" smtClean="0"/>
+              <a:t>Operator Python</a:t>
+            </a:r>
+            <a:endParaRPr lang="id-ID" dirty="0"/>
+          </a:p>
+        </p:txBody>
+      </p:sp>
+      <p:sp>
+        <p:nvSpPr>
+          <p:cNvPr id="3" name="Content Placeholder 2"/>
+          <p:cNvSpPr>
+            <a:spLocks noGrp="1"/>
+          </p:cNvSpPr>
+          <p:nvPr>
+            <p:ph idx="1"/>
+          </p:nvPr>
+        </p:nvSpPr>
+        <p:spPr/>
+        <p:txBody>
+          <a:bodyPr/>
+          <a:lstStyle/>
+          <a:p>
+            <a:pPr marL="64008" indent="0">
+              <a:buNone/>
+            </a:pPr>
+            <a:r>
+              <a:rPr lang="id-ID" dirty="0" smtClean="0"/>
+              <a:t>Operator Bitwise</a:t>
+            </a:r>
+          </a:p>
+          <a:p>
+            <a:pPr marL="64008" indent="0">
+              <a:buNone/>
+            </a:pPr>
+            <a:r>
+              <a:rPr lang="id-ID" dirty="0"/>
+              <a:t>operator untuk melakukan operasi berdasarkan bit/biner</a:t>
+            </a:r>
+            <a:r>
+              <a:rPr lang="id-ID" dirty="0" smtClean="0"/>
+              <a:t>.</a:t>
+            </a:r>
+          </a:p>
+          <a:p>
+            <a:r>
+              <a:rPr lang="id-ID" dirty="0" smtClean="0"/>
+              <a:t>AND(&amp;)</a:t>
+            </a:r>
+          </a:p>
+          <a:p>
+            <a:r>
+              <a:rPr lang="id-ID" dirty="0" smtClean="0"/>
+              <a:t>OR(|)</a:t>
+            </a:r>
+          </a:p>
+          <a:p>
+            <a:r>
+              <a:rPr lang="id-ID" dirty="0" smtClean="0"/>
+              <a:t>XOR(^)</a:t>
+            </a:r>
+          </a:p>
+          <a:p>
+            <a:pPr marL="64008" indent="0">
+              <a:buNone/>
+            </a:pPr>
+            <a:endParaRPr lang="id-ID" dirty="0"/>
+          </a:p>
+        </p:txBody>
+      </p:sp>
+      <p:pic>
+        <p:nvPicPr>
+          <p:cNvPr id="17410" name="Picture 2"/>
+          <p:cNvPicPr>
+            <a:picLocks noChangeAspect="1" noChangeArrowheads="1"/>
+          </p:cNvPicPr>
+          <p:nvPr/>
+        </p:nvPicPr>
+        <p:blipFill>
+          <a:blip r:embed="rId2">
+            <a:extLst>
+              <a:ext uri="{28A0092B-C50C-407E-A947-70E740481C1C}">
+                <a14:useLocalDpi xmlns:a14="http://schemas.microsoft.com/office/drawing/2010/main" val="0"/>
+              </a:ext>
+            </a:extLst>
+          </a:blip>
+          <a:srcRect/>
+          <a:stretch>
+            <a:fillRect/>
+          </a:stretch>
+        </p:blipFill>
+        <p:spPr bwMode="auto">
+          <a:xfrm>
+            <a:off x="5129213" y="2996952"/>
+            <a:ext cx="2971179" cy="3024336"/>
+          </a:xfrm>
+          <a:prstGeom prst="rect">
+            <a:avLst/>
+          </a:prstGeom>
+          <a:noFill/>
+          <a:ln>
+            <a:noFill/>
+          </a:ln>
+          <a:extLst>
+            <a:ext uri="{909E8E84-426E-40DD-AFC4-6F175D3DCCD1}">
+              <a14:hiddenFill xmlns:a14="http://schemas.microsoft.com/office/drawing/2010/main">
+                <a:solidFill>
+                  <a:schemeClr val="accent1"/>
+                </a:solidFill>
+              </a14:hiddenFill>
+            </a:ext>
+            <a:ext uri="{91240B29-F687-4F45-9708-019B960494DF}">
+              <a14:hiddenLine xmlns:a14="http://schemas.microsoft.com/office/drawing/2010/main" w="9525">
+                <a:solidFill>
+                  <a:schemeClr val="tx1"/>
+                </a:solidFill>
+                <a:miter lim="800000"/>
+                <a:headEnd/>
+                <a:tailEnd/>
+              </a14:hiddenLine>
+            </a:ext>
+          </a:extLst>
+        </p:spPr>
+      </p:pic>
+    </p:spTree>
+    <p:extLst>
+      <p:ext uri="{BB962C8B-B14F-4D97-AF65-F5344CB8AC3E}">
+        <p14:creationId xmlns:p14="http://schemas.microsoft.com/office/powerpoint/2010/main" val="1706160035"/>
+      </p:ext>
+    </p:extLst>
+  </p:cSld>
+  <p:clrMapOvr>
+    <a:masterClrMapping/>
+  </p:clrMapOvr>
+  <p:timing>
+    <p:tnLst>
+      <p:par>
+        <p:cTn id="1" dur="indefinite" restart="never" nodeType="tmRoot"/>
+      </p:par>
+    </p:tnLst>
+  </p:timing>
+</p:sld>
+</file>
+
+<file path=ppt/slides/slide24.xml><?xml version="1.0" encoding="utf-8"?>
+<p:sld xmlns:a="http://schemas.openxmlformats.org/drawingml/2006/main" xmlns:r="http://schemas.openxmlformats.org/officeDocument/2006/relationships" xmlns:p="http://schemas.openxmlformats.org/presentationml/2006/main">
+  <p:cSld>
+    <p:spTree>
+      <p:nvGrpSpPr>
+        <p:cNvPr id="1" name=""/>
+        <p:cNvGrpSpPr/>
+        <p:nvPr/>
+      </p:nvGrpSpPr>
+      <p:grpSpPr>
+        <a:xfrm>
+          <a:off x="0" y="0"/>
+          <a:ext cx="0" cy="0"/>
+          <a:chOff x="0" y="0"/>
+          <a:chExt cx="0" cy="0"/>
+        </a:xfrm>
+      </p:grpSpPr>
+      <p:sp>
+        <p:nvSpPr>
+          <p:cNvPr id="2" name="Title 1"/>
+          <p:cNvSpPr>
+            <a:spLocks noGrp="1"/>
+          </p:cNvSpPr>
+          <p:nvPr>
+            <p:ph type="title"/>
+          </p:nvPr>
+        </p:nvSpPr>
+        <p:spPr/>
+        <p:txBody>
+          <a:bodyPr/>
+          <a:lstStyle/>
+          <a:p>
+            <a:r>
+              <a:rPr lang="id-ID" dirty="0" smtClean="0"/>
+              <a:t>Operator Python</a:t>
+            </a:r>
+            <a:endParaRPr lang="id-ID" dirty="0"/>
+          </a:p>
+        </p:txBody>
+      </p:sp>
+      <p:sp>
+        <p:nvSpPr>
+          <p:cNvPr id="3" name="Content Placeholder 2"/>
+          <p:cNvSpPr>
+            <a:spLocks noGrp="1"/>
+          </p:cNvSpPr>
+          <p:nvPr>
+            <p:ph idx="1"/>
+          </p:nvPr>
+        </p:nvSpPr>
+        <p:spPr/>
+        <p:txBody>
+          <a:bodyPr/>
+          <a:lstStyle/>
+          <a:p>
+            <a:pPr marL="64008" indent="0">
+              <a:buNone/>
+            </a:pPr>
+            <a:r>
+              <a:rPr lang="id-ID" dirty="0" smtClean="0"/>
+              <a:t>Operator Membership</a:t>
+            </a:r>
+          </a:p>
+          <a:p>
+            <a:r>
+              <a:rPr lang="id-ID" dirty="0" smtClean="0"/>
+              <a:t>In</a:t>
+            </a:r>
+          </a:p>
+          <a:p>
+            <a:r>
+              <a:rPr lang="id-ID" dirty="0" smtClean="0"/>
+              <a:t>Not In</a:t>
+            </a:r>
+            <a:endParaRPr lang="id-ID" dirty="0"/>
+          </a:p>
+        </p:txBody>
+      </p:sp>
+      <p:pic>
+        <p:nvPicPr>
+          <p:cNvPr id="16386" name="Picture 2"/>
+          <p:cNvPicPr>
+            <a:picLocks noChangeAspect="1" noChangeArrowheads="1"/>
+          </p:cNvPicPr>
+          <p:nvPr/>
+        </p:nvPicPr>
+        <p:blipFill>
+          <a:blip r:embed="rId2">
+            <a:extLst>
+              <a:ext uri="{28A0092B-C50C-407E-A947-70E740481C1C}">
+                <a14:useLocalDpi xmlns:a14="http://schemas.microsoft.com/office/drawing/2010/main" val="0"/>
+              </a:ext>
+            </a:extLst>
+          </a:blip>
+          <a:srcRect/>
+          <a:stretch>
+            <a:fillRect/>
+          </a:stretch>
+        </p:blipFill>
+        <p:spPr bwMode="auto">
+          <a:xfrm>
+            <a:off x="4860032" y="1988840"/>
+            <a:ext cx="3024336" cy="4176464"/>
+          </a:xfrm>
+          <a:prstGeom prst="rect">
+            <a:avLst/>
+          </a:prstGeom>
+          <a:noFill/>
+          <a:ln>
+            <a:noFill/>
+          </a:ln>
+          <a:extLst>
+            <a:ext uri="{909E8E84-426E-40DD-AFC4-6F175D3DCCD1}">
+              <a14:hiddenFill xmlns:a14="http://schemas.microsoft.com/office/drawing/2010/main">
+                <a:solidFill>
+                  <a:schemeClr val="accent1"/>
+                </a:solidFill>
+              </a14:hiddenFill>
+            </a:ext>
+            <a:ext uri="{91240B29-F687-4F45-9708-019B960494DF}">
+              <a14:hiddenLine xmlns:a14="http://schemas.microsoft.com/office/drawing/2010/main" w="9525">
+                <a:solidFill>
+                  <a:schemeClr val="tx1"/>
+                </a:solidFill>
+                <a:miter lim="800000"/>
+                <a:headEnd/>
+                <a:tailEnd/>
+              </a14:hiddenLine>
+            </a:ext>
+          </a:extLst>
+        </p:spPr>
+      </p:pic>
+    </p:spTree>
+    <p:extLst>
+      <p:ext uri="{BB962C8B-B14F-4D97-AF65-F5344CB8AC3E}">
+        <p14:creationId xmlns:p14="http://schemas.microsoft.com/office/powerpoint/2010/main" val="4269959278"/>
+      </p:ext>
+    </p:extLst>
+  </p:cSld>
+  <p:clrMapOvr>
+    <a:masterClrMapping/>
+  </p:clrMapOvr>
+  <p:timing>
+    <p:tnLst>
+      <p:par>
+        <p:cTn id="1" dur="indefinite" restart="never" nodeType="tmRoot"/>
+      </p:par>
+    </p:tnLst>
+  </p:timing>
+</p:sld>
+</file>
+
+<file path=ppt/slides/slide25.xml><?xml version="1.0" encoding="utf-8"?>
+<p:sld xmlns:a="http://schemas.openxmlformats.org/drawingml/2006/main" xmlns:r="http://schemas.openxmlformats.org/officeDocument/2006/relationships" xmlns:p="http://schemas.openxmlformats.org/presentationml/2006/main">
+  <p:cSld>
+    <p:spTree>
+      <p:nvGrpSpPr>
+        <p:cNvPr id="1" name=""/>
+        <p:cNvGrpSpPr/>
+        <p:nvPr/>
+      </p:nvGrpSpPr>
+      <p:grpSpPr>
+        <a:xfrm>
+          <a:off x="0" y="0"/>
+          <a:ext cx="0" cy="0"/>
+          <a:chOff x="0" y="0"/>
+          <a:chExt cx="0" cy="0"/>
+        </a:xfrm>
+      </p:grpSpPr>
+      <p:sp>
+        <p:nvSpPr>
+          <p:cNvPr id="2" name="Title 1"/>
+          <p:cNvSpPr>
+            <a:spLocks noGrp="1"/>
+          </p:cNvSpPr>
+          <p:nvPr>
+            <p:ph type="title"/>
+          </p:nvPr>
+        </p:nvSpPr>
+        <p:spPr/>
+        <p:txBody>
+          <a:bodyPr/>
+          <a:lstStyle/>
+          <a:p>
+            <a:r>
+              <a:rPr lang="id-ID" dirty="0" smtClean="0"/>
+              <a:t>Percabangan Python</a:t>
+            </a:r>
+            <a:endParaRPr lang="id-ID" dirty="0"/>
+          </a:p>
+        </p:txBody>
+      </p:sp>
+      <p:sp>
+        <p:nvSpPr>
+          <p:cNvPr id="3" name="Content Placeholder 2"/>
+          <p:cNvSpPr>
+            <a:spLocks noGrp="1"/>
+          </p:cNvSpPr>
+          <p:nvPr>
+            <p:ph idx="1"/>
+          </p:nvPr>
+        </p:nvSpPr>
+        <p:spPr/>
+        <p:txBody>
+          <a:bodyPr/>
+          <a:lstStyle/>
+          <a:p>
+            <a:r>
+              <a:rPr lang="id-ID" dirty="0" smtClean="0"/>
+              <a:t>If else</a:t>
+            </a:r>
+          </a:p>
+          <a:p>
+            <a:r>
+              <a:rPr lang="id-ID" dirty="0" smtClean="0"/>
+              <a:t>If elseif else</a:t>
+            </a:r>
+            <a:endParaRPr lang="id-ID" dirty="0"/>
+          </a:p>
+        </p:txBody>
+      </p:sp>
+      <p:pic>
+        <p:nvPicPr>
+          <p:cNvPr id="18434" name="Picture 2"/>
+          <p:cNvPicPr>
+            <a:picLocks noChangeAspect="1" noChangeArrowheads="1"/>
+          </p:cNvPicPr>
+          <p:nvPr/>
+        </p:nvPicPr>
+        <p:blipFill>
+          <a:blip r:embed="rId2">
+            <a:extLst>
+              <a:ext uri="{28A0092B-C50C-407E-A947-70E740481C1C}">
+                <a14:useLocalDpi xmlns:a14="http://schemas.microsoft.com/office/drawing/2010/main" val="0"/>
+              </a:ext>
+            </a:extLst>
+          </a:blip>
+          <a:srcRect/>
+          <a:stretch>
+            <a:fillRect/>
+          </a:stretch>
+        </p:blipFill>
+        <p:spPr bwMode="auto">
+          <a:xfrm>
+            <a:off x="4427984" y="1772816"/>
+            <a:ext cx="3672408" cy="2448272"/>
+          </a:xfrm>
+          <a:prstGeom prst="rect">
+            <a:avLst/>
+          </a:prstGeom>
+          <a:noFill/>
+          <a:ln>
+            <a:noFill/>
+          </a:ln>
+          <a:extLst>
+            <a:ext uri="{909E8E84-426E-40DD-AFC4-6F175D3DCCD1}">
+              <a14:hiddenFill xmlns:a14="http://schemas.microsoft.com/office/drawing/2010/main">
+                <a:solidFill>
+                  <a:schemeClr val="accent1"/>
+                </a:solidFill>
+              </a14:hiddenFill>
+            </a:ext>
+            <a:ext uri="{91240B29-F687-4F45-9708-019B960494DF}">
+              <a14:hiddenLine xmlns:a14="http://schemas.microsoft.com/office/drawing/2010/main" w="9525">
+                <a:solidFill>
+                  <a:schemeClr val="tx1"/>
+                </a:solidFill>
+                <a:miter lim="800000"/>
+                <a:headEnd/>
+                <a:tailEnd/>
+              </a14:hiddenLine>
+            </a:ext>
+          </a:extLst>
+        </p:spPr>
+      </p:pic>
+      <p:pic>
+        <p:nvPicPr>
+          <p:cNvPr id="18435" name="Picture 3"/>
+          <p:cNvPicPr>
+            <a:picLocks noChangeAspect="1" noChangeArrowheads="1"/>
+          </p:cNvPicPr>
+          <p:nvPr/>
+        </p:nvPicPr>
+        <p:blipFill>
+          <a:blip r:embed="rId3">
+            <a:extLst>
+              <a:ext uri="{28A0092B-C50C-407E-A947-70E740481C1C}">
+                <a14:useLocalDpi xmlns:a14="http://schemas.microsoft.com/office/drawing/2010/main" val="0"/>
+              </a:ext>
+            </a:extLst>
+          </a:blip>
+          <a:srcRect/>
+          <a:stretch>
+            <a:fillRect/>
+          </a:stretch>
+        </p:blipFill>
+        <p:spPr bwMode="auto">
+          <a:xfrm>
+            <a:off x="4427984" y="4221088"/>
+            <a:ext cx="3672408" cy="864096"/>
+          </a:xfrm>
+          <a:prstGeom prst="rect">
+            <a:avLst/>
+          </a:prstGeom>
+          <a:noFill/>
+          <a:ln>
+            <a:noFill/>
+          </a:ln>
+          <a:extLst>
+            <a:ext uri="{909E8E84-426E-40DD-AFC4-6F175D3DCCD1}">
+              <a14:hiddenFill xmlns:a14="http://schemas.microsoft.com/office/drawing/2010/main">
+                <a:solidFill>
+                  <a:schemeClr val="accent1"/>
+                </a:solidFill>
+              </a14:hiddenFill>
+            </a:ext>
+            <a:ext uri="{91240B29-F687-4F45-9708-019B960494DF}">
+              <a14:hiddenLine xmlns:a14="http://schemas.microsoft.com/office/drawing/2010/main" w="9525">
+                <a:solidFill>
+                  <a:schemeClr val="tx1"/>
+                </a:solidFill>
+                <a:miter lim="800000"/>
+                <a:headEnd/>
+                <a:tailEnd/>
+              </a14:hiddenLine>
+            </a:ext>
+          </a:extLst>
+        </p:spPr>
+      </p:pic>
+    </p:spTree>
+    <p:extLst>
+      <p:ext uri="{BB962C8B-B14F-4D97-AF65-F5344CB8AC3E}">
+        <p14:creationId xmlns:p14="http://schemas.microsoft.com/office/powerpoint/2010/main" val="2759004355"/>
+      </p:ext>
+    </p:extLst>
+  </p:cSld>
+  <p:clrMapOvr>
+    <a:masterClrMapping/>
+  </p:clrMapOvr>
+  <p:timing>
+    <p:tnLst>
+      <p:par>
+        <p:cTn id="1" dur="indefinite" restart="never" nodeType="tmRoot"/>
+      </p:par>
+    </p:tnLst>
+  </p:timing>
+</p:sld>
+</file>
+
+<file path=ppt/slides/slide26.xml><?xml version="1.0" encoding="utf-8"?>
+<p:sld xmlns:a="http://schemas.openxmlformats.org/drawingml/2006/main" xmlns:r="http://schemas.openxmlformats.org/officeDocument/2006/relationships" xmlns:p="http://schemas.openxmlformats.org/presentationml/2006/main">
+  <p:cSld>
+    <p:spTree>
+      <p:nvGrpSpPr>
+        <p:cNvPr id="1" name=""/>
+        <p:cNvGrpSpPr/>
+        <p:nvPr/>
+      </p:nvGrpSpPr>
+      <p:grpSpPr>
+        <a:xfrm>
+          <a:off x="0" y="0"/>
+          <a:ext cx="0" cy="0"/>
+          <a:chOff x="0" y="0"/>
+          <a:chExt cx="0" cy="0"/>
+        </a:xfrm>
+      </p:grpSpPr>
+      <p:sp>
+        <p:nvSpPr>
+          <p:cNvPr id="2" name="Title 1"/>
+          <p:cNvSpPr>
+            <a:spLocks noGrp="1"/>
+          </p:cNvSpPr>
+          <p:nvPr>
+            <p:ph type="title"/>
+          </p:nvPr>
+        </p:nvSpPr>
+        <p:spPr/>
+        <p:txBody>
+          <a:bodyPr/>
+          <a:lstStyle/>
+          <a:p>
+            <a:r>
+              <a:rPr lang="id-ID" dirty="0" smtClean="0"/>
+              <a:t>Perulangan Python</a:t>
+            </a:r>
+            <a:endParaRPr lang="id-ID" dirty="0"/>
+          </a:p>
+        </p:txBody>
+      </p:sp>
+      <p:sp>
+        <p:nvSpPr>
+          <p:cNvPr id="3" name="Content Placeholder 2"/>
+          <p:cNvSpPr>
+            <a:spLocks noGrp="1"/>
+          </p:cNvSpPr>
+          <p:nvPr>
+            <p:ph idx="1"/>
+          </p:nvPr>
+        </p:nvSpPr>
+        <p:spPr/>
+        <p:txBody>
+          <a:bodyPr/>
+          <a:lstStyle/>
+          <a:p>
+            <a:r>
+              <a:rPr lang="id-ID" dirty="0" smtClean="0"/>
+              <a:t>For loop			 While </a:t>
+            </a:r>
+            <a:r>
+              <a:rPr lang="id-ID" dirty="0"/>
+              <a:t>loop </a:t>
+            </a:r>
+            <a:endParaRPr lang="id-ID" dirty="0" smtClean="0"/>
+          </a:p>
+          <a:p>
+            <a:endParaRPr lang="id-ID" dirty="0"/>
+          </a:p>
+          <a:p>
+            <a:endParaRPr lang="id-ID" dirty="0" smtClean="0"/>
+          </a:p>
+          <a:p>
+            <a:pPr marL="64008" indent="0">
+              <a:buNone/>
+            </a:pPr>
+            <a:endParaRPr lang="id-ID" dirty="0" smtClean="0"/>
+          </a:p>
+        </p:txBody>
+      </p:sp>
+      <p:pic>
+        <p:nvPicPr>
+          <p:cNvPr id="19458" name="Picture 2"/>
+          <p:cNvPicPr>
+            <a:picLocks noChangeAspect="1" noChangeArrowheads="1"/>
+          </p:cNvPicPr>
+          <p:nvPr/>
+        </p:nvPicPr>
+        <p:blipFill>
+          <a:blip r:embed="rId2">
+            <a:extLst>
+              <a:ext uri="{28A0092B-C50C-407E-A947-70E740481C1C}">
+                <a14:useLocalDpi xmlns:a14="http://schemas.microsoft.com/office/drawing/2010/main" val="0"/>
+              </a:ext>
+            </a:extLst>
+          </a:blip>
+          <a:srcRect/>
+          <a:stretch>
+            <a:fillRect/>
+          </a:stretch>
+        </p:blipFill>
+        <p:spPr bwMode="auto">
+          <a:xfrm>
+            <a:off x="683568" y="3024718"/>
+            <a:ext cx="3600400" cy="1296144"/>
+          </a:xfrm>
+          <a:prstGeom prst="rect">
+            <a:avLst/>
+          </a:prstGeom>
+          <a:noFill/>
+          <a:ln>
+            <a:noFill/>
+          </a:ln>
+          <a:extLst>
+            <a:ext uri="{909E8E84-426E-40DD-AFC4-6F175D3DCCD1}">
+              <a14:hiddenFill xmlns:a14="http://schemas.microsoft.com/office/drawing/2010/main">
+                <a:solidFill>
+                  <a:schemeClr val="accent1"/>
+                </a:solidFill>
+              </a14:hiddenFill>
+            </a:ext>
+            <a:ext uri="{91240B29-F687-4F45-9708-019B960494DF}">
+              <a14:hiddenLine xmlns:a14="http://schemas.microsoft.com/office/drawing/2010/main" w="9525">
+                <a:solidFill>
+                  <a:schemeClr val="tx1"/>
+                </a:solidFill>
+                <a:miter lim="800000"/>
+                <a:headEnd/>
+                <a:tailEnd/>
+              </a14:hiddenLine>
+            </a:ext>
+          </a:extLst>
+        </p:spPr>
+      </p:pic>
+      <p:pic>
+        <p:nvPicPr>
+          <p:cNvPr id="19459" name="Picture 3"/>
+          <p:cNvPicPr>
+            <a:picLocks noChangeAspect="1" noChangeArrowheads="1"/>
+          </p:cNvPicPr>
+          <p:nvPr/>
+        </p:nvPicPr>
+        <p:blipFill>
+          <a:blip r:embed="rId3">
+            <a:extLst>
+              <a:ext uri="{28A0092B-C50C-407E-A947-70E740481C1C}">
+                <a14:useLocalDpi xmlns:a14="http://schemas.microsoft.com/office/drawing/2010/main" val="0"/>
+              </a:ext>
+            </a:extLst>
+          </a:blip>
+          <a:srcRect/>
+          <a:stretch>
+            <a:fillRect/>
+          </a:stretch>
+        </p:blipFill>
+        <p:spPr bwMode="auto">
+          <a:xfrm>
+            <a:off x="683568" y="4320862"/>
+            <a:ext cx="3456384" cy="2304256"/>
+          </a:xfrm>
+          <a:prstGeom prst="rect">
+            <a:avLst/>
+          </a:prstGeom>
+          <a:noFill/>
+          <a:ln>
+            <a:noFill/>
+          </a:ln>
+          <a:extLst>
+            <a:ext uri="{909E8E84-426E-40DD-AFC4-6F175D3DCCD1}">
+              <a14:hiddenFill xmlns:a14="http://schemas.microsoft.com/office/drawing/2010/main">
+                <a:solidFill>
+                  <a:schemeClr val="accent1"/>
+                </a:solidFill>
+              </a14:hiddenFill>
+            </a:ext>
+            <a:ext uri="{91240B29-F687-4F45-9708-019B960494DF}">
+              <a14:hiddenLine xmlns:a14="http://schemas.microsoft.com/office/drawing/2010/main" w="9525">
+                <a:solidFill>
+                  <a:schemeClr val="tx1"/>
+                </a:solidFill>
+                <a:miter lim="800000"/>
+                <a:headEnd/>
+                <a:tailEnd/>
+              </a14:hiddenLine>
+            </a:ext>
+          </a:extLst>
+        </p:spPr>
+      </p:pic>
+      <p:pic>
+        <p:nvPicPr>
+          <p:cNvPr id="19460" name="Picture 4"/>
+          <p:cNvPicPr>
+            <a:picLocks noChangeAspect="1" noChangeArrowheads="1"/>
+          </p:cNvPicPr>
+          <p:nvPr/>
+        </p:nvPicPr>
+        <p:blipFill>
+          <a:blip r:embed="rId4">
+            <a:extLst>
+              <a:ext uri="{28A0092B-C50C-407E-A947-70E740481C1C}">
+                <a14:useLocalDpi xmlns:a14="http://schemas.microsoft.com/office/drawing/2010/main" val="0"/>
+              </a:ext>
+            </a:extLst>
+          </a:blip>
+          <a:srcRect/>
+          <a:stretch>
+            <a:fillRect/>
+          </a:stretch>
+        </p:blipFill>
+        <p:spPr bwMode="auto">
+          <a:xfrm>
+            <a:off x="4716016" y="2919413"/>
+            <a:ext cx="3744416" cy="1661715"/>
+          </a:xfrm>
+          <a:prstGeom prst="rect">
+            <a:avLst/>
+          </a:prstGeom>
+          <a:noFill/>
+          <a:ln>
+            <a:noFill/>
+          </a:ln>
+          <a:extLst>
+            <a:ext uri="{909E8E84-426E-40DD-AFC4-6F175D3DCCD1}">
+              <a14:hiddenFill xmlns:a14="http://schemas.microsoft.com/office/drawing/2010/main">
+                <a:solidFill>
+                  <a:schemeClr val="accent1"/>
+                </a:solidFill>
+              </a14:hiddenFill>
+            </a:ext>
+            <a:ext uri="{91240B29-F687-4F45-9708-019B960494DF}">
+              <a14:hiddenLine xmlns:a14="http://schemas.microsoft.com/office/drawing/2010/main" w="9525">
+                <a:solidFill>
+                  <a:schemeClr val="tx1"/>
+                </a:solidFill>
+                <a:miter lim="800000"/>
+                <a:headEnd/>
+                <a:tailEnd/>
+              </a14:hiddenLine>
+            </a:ext>
+          </a:extLst>
+        </p:spPr>
+      </p:pic>
+      <p:pic>
+        <p:nvPicPr>
+          <p:cNvPr id="19461" name="Picture 5"/>
+          <p:cNvPicPr>
+            <a:picLocks noChangeAspect="1" noChangeArrowheads="1"/>
+          </p:cNvPicPr>
+          <p:nvPr/>
+        </p:nvPicPr>
+        <p:blipFill>
+          <a:blip r:embed="rId5">
+            <a:extLst>
+              <a:ext uri="{28A0092B-C50C-407E-A947-70E740481C1C}">
+                <a14:useLocalDpi xmlns:a14="http://schemas.microsoft.com/office/drawing/2010/main" val="0"/>
+              </a:ext>
+            </a:extLst>
+          </a:blip>
+          <a:srcRect/>
+          <a:stretch>
+            <a:fillRect/>
+          </a:stretch>
+        </p:blipFill>
+        <p:spPr bwMode="auto">
+          <a:xfrm>
+            <a:off x="4716016" y="4581128"/>
+            <a:ext cx="3744416" cy="2043990"/>
+          </a:xfrm>
+          <a:prstGeom prst="rect">
+            <a:avLst/>
+          </a:prstGeom>
+          <a:noFill/>
+          <a:ln>
+            <a:noFill/>
+          </a:ln>
+          <a:extLst>
+            <a:ext uri="{909E8E84-426E-40DD-AFC4-6F175D3DCCD1}">
+              <a14:hiddenFill xmlns:a14="http://schemas.microsoft.com/office/drawing/2010/main">
+                <a:solidFill>
+                  <a:schemeClr val="accent1"/>
+                </a:solidFill>
+              </a14:hiddenFill>
+            </a:ext>
+            <a:ext uri="{91240B29-F687-4F45-9708-019B960494DF}">
+              <a14:hiddenLine xmlns:a14="http://schemas.microsoft.com/office/drawing/2010/main" w="9525">
+                <a:solidFill>
+                  <a:schemeClr val="tx1"/>
+                </a:solidFill>
+                <a:miter lim="800000"/>
+                <a:headEnd/>
+                <a:tailEnd/>
+              </a14:hiddenLine>
+            </a:ext>
+          </a:extLst>
+        </p:spPr>
+      </p:pic>
+    </p:spTree>
+    <p:extLst>
+      <p:ext uri="{BB962C8B-B14F-4D97-AF65-F5344CB8AC3E}">
+        <p14:creationId xmlns:p14="http://schemas.microsoft.com/office/powerpoint/2010/main" val="3048562955"/>
+      </p:ext>
+    </p:extLst>
+  </p:cSld>
+  <p:clrMapOvr>
+    <a:masterClrMapping/>
+  </p:clrMapOvr>
+  <p:timing>
+    <p:tnLst>
+      <p:par>
+        <p:cTn id="1" dur="indefinite" restart="never" nodeType="tmRoot"/>
+      </p:par>
+    </p:tnLst>
+  </p:timing>
+</p:sld>
+</file>
+
+<file path=ppt/slides/slide27.xml><?xml version="1.0" encoding="utf-8"?>
 <p:sld xmlns:a="http://schemas.openxmlformats.org/drawingml/2006/main" xmlns:r="http://schemas.openxmlformats.org/officeDocument/2006/relationships" xmlns:p="http://schemas.openxmlformats.org/presentationml/2006/main">
   <p:cSld>
     <p:spTree>
@@ -5168,99 +7197,13 @@
   <p:clrMapOvr>
     <a:masterClrMapping/>
   </p:clrMapOvr>
-</p:sld>
-</file>
-
-<file path=ppt/slides/slide2.xml><?xml version="1.0" encoding="utf-8"?>
-<p:sld xmlns:a="http://schemas.openxmlformats.org/drawingml/2006/main" xmlns:r="http://schemas.openxmlformats.org/officeDocument/2006/relationships" xmlns:p="http://schemas.openxmlformats.org/presentationml/2006/main">
-  <p:cSld>
-    <p:spTree>
-      <p:nvGrpSpPr>
-        <p:cNvPr id="1" name=""/>
-        <p:cNvGrpSpPr/>
-        <p:nvPr/>
-      </p:nvGrpSpPr>
-      <p:grpSpPr>
-        <a:xfrm>
-          <a:off x="0" y="0"/>
-          <a:ext cx="0" cy="0"/>
-          <a:chOff x="0" y="0"/>
-          <a:chExt cx="0" cy="0"/>
-        </a:xfrm>
-      </p:grpSpPr>
-      <p:sp>
-        <p:nvSpPr>
-          <p:cNvPr id="2" name="Title 1"/>
-          <p:cNvSpPr>
-            <a:spLocks noGrp="1"/>
-          </p:cNvSpPr>
-          <p:nvPr>
-            <p:ph type="title"/>
-          </p:nvPr>
-        </p:nvSpPr>
-        <p:spPr/>
-        <p:txBody>
-          <a:bodyPr/>
-          <a:lstStyle/>
-          <a:p>
-            <a:r>
-              <a:rPr lang="id-ID" dirty="0" smtClean="0">
-                <a:latin typeface="Times New Roman" panose="02020603050405020304" pitchFamily="18" charset="0"/>
-                <a:cs typeface="Times New Roman" panose="02020603050405020304" pitchFamily="18" charset="0"/>
-              </a:rPr>
-              <a:t>Pengertian Python?</a:t>
-            </a:r>
-            <a:endParaRPr lang="id-ID" dirty="0">
-              <a:latin typeface="Times New Roman" panose="02020603050405020304" pitchFamily="18" charset="0"/>
-              <a:cs typeface="Times New Roman" panose="02020603050405020304" pitchFamily="18" charset="0"/>
-            </a:endParaRPr>
-          </a:p>
-        </p:txBody>
-      </p:sp>
-      <p:sp>
-        <p:nvSpPr>
-          <p:cNvPr id="3" name="Content Placeholder 2"/>
-          <p:cNvSpPr>
-            <a:spLocks noGrp="1"/>
-          </p:cNvSpPr>
-          <p:nvPr>
-            <p:ph idx="1"/>
-          </p:nvPr>
-        </p:nvSpPr>
-        <p:spPr/>
-        <p:txBody>
-          <a:bodyPr/>
-          <a:lstStyle/>
-          <a:p>
-            <a:r>
-              <a:rPr lang="id-ID" dirty="0" smtClean="0">
-                <a:latin typeface="Times New Roman" panose="02020603050405020304" pitchFamily="18" charset="0"/>
-                <a:cs typeface="Times New Roman" panose="02020603050405020304" pitchFamily="18" charset="0"/>
-              </a:rPr>
-              <a:t>Python adalah merupakan bahasa pemrograman tingkat tinggi yang dikembangkan pada tahun 1991 oleh Guido Van Rossum.</a:t>
-            </a:r>
-          </a:p>
-          <a:p>
-            <a:r>
-              <a:rPr lang="id-ID" dirty="0" smtClean="0">
-                <a:latin typeface="Times New Roman" panose="02020603050405020304" pitchFamily="18" charset="0"/>
-                <a:cs typeface="Times New Roman" panose="02020603050405020304" pitchFamily="18" charset="0"/>
-              </a:rPr>
-              <a:t>Python sendiri menggunakan konsep OOP(Object Oriented Programming) dan dikenal dengan bahasa pemrograman yang sangat mudah dipelajari, karena struktur sintaksnya yang rapi dan sangat mudah dipahami</a:t>
-            </a:r>
-          </a:p>
-        </p:txBody>
-      </p:sp>
-    </p:spTree>
-    <p:extLst>
-      <p:ext uri="{BB962C8B-B14F-4D97-AF65-F5344CB8AC3E}">
-        <p14:creationId xmlns:p14="http://schemas.microsoft.com/office/powerpoint/2010/main" val="3116395929"/>
-      </p:ext>
-    </p:extLst>
-  </p:cSld>
-  <p:clrMapOvr>
-    <a:masterClrMapping/>
-  </p:clrMapOvr>
+  <p:timing>
+    <p:tnLst>
+      <p:par>
+        <p:cTn id="1" dur="indefinite" restart="never" nodeType="tmRoot"/>
+      </p:par>
+    </p:tnLst>
+  </p:timing>
 </p:sld>
 </file>
 
@@ -6056,7 +7999,7 @@
             </a:pPr>
             <a:r>
               <a:rPr lang="id-ID" dirty="0" smtClean="0"/>
-              <a:t>Tipe data dalam python dikelompokkan</a:t>
+              <a:t>Tipe data dalam python dikelompokkan menjadi 6:</a:t>
             </a:r>
           </a:p>
           <a:p>
@@ -6108,6 +8051,13 @@
   <p:clrMapOvr>
     <a:masterClrMapping/>
   </p:clrMapOvr>
+  <p:timing>
+    <p:tnLst>
+      <p:par>
+        <p:cTn id="1" dur="indefinite" restart="never" nodeType="tmRoot"/>
+      </p:par>
+    </p:tnLst>
+  </p:timing>
 </p:sld>
 </file>
 
@@ -6277,6 +8227,13 @@
   <p:clrMapOvr>
     <a:masterClrMapping/>
   </p:clrMapOvr>
+  <p:timing>
+    <p:tnLst>
+      <p:par>
+        <p:cTn id="1" dur="indefinite" restart="never" nodeType="tmRoot"/>
+      </p:par>
+    </p:tnLst>
+  </p:timing>
 </p:sld>
 </file>
 

--- a/DEEP LEARNING 1.pptx
+++ b/DEEP LEARNING 1.pptx
@@ -7,9 +7,9 @@
   <p:sldIdLst>
     <p:sldId id="256" r:id="rId2"/>
     <p:sldId id="257" r:id="rId3"/>
-    <p:sldId id="258" r:id="rId4"/>
-    <p:sldId id="259" r:id="rId5"/>
-    <p:sldId id="260" r:id="rId6"/>
+    <p:sldId id="260" r:id="rId4"/>
+    <p:sldId id="258" r:id="rId5"/>
+    <p:sldId id="259" r:id="rId6"/>
     <p:sldId id="261" r:id="rId7"/>
     <p:sldId id="262" r:id="rId8"/>
     <p:sldId id="263" r:id="rId9"/>
@@ -19,19 +19,20 @@
     <p:sldId id="265" r:id="rId13"/>
     <p:sldId id="268" r:id="rId14"/>
     <p:sldId id="269" r:id="rId15"/>
-    <p:sldId id="270" r:id="rId16"/>
-    <p:sldId id="271" r:id="rId17"/>
-    <p:sldId id="272" r:id="rId18"/>
-    <p:sldId id="274" r:id="rId19"/>
-    <p:sldId id="275" r:id="rId20"/>
-    <p:sldId id="276" r:id="rId21"/>
-    <p:sldId id="278" r:id="rId22"/>
-    <p:sldId id="277" r:id="rId23"/>
-    <p:sldId id="281" r:id="rId24"/>
-    <p:sldId id="279" r:id="rId25"/>
-    <p:sldId id="282" r:id="rId26"/>
-    <p:sldId id="283" r:id="rId27"/>
-    <p:sldId id="273" r:id="rId28"/>
+    <p:sldId id="284" r:id="rId16"/>
+    <p:sldId id="270" r:id="rId17"/>
+    <p:sldId id="271" r:id="rId18"/>
+    <p:sldId id="272" r:id="rId19"/>
+    <p:sldId id="274" r:id="rId20"/>
+    <p:sldId id="275" r:id="rId21"/>
+    <p:sldId id="276" r:id="rId22"/>
+    <p:sldId id="278" r:id="rId23"/>
+    <p:sldId id="277" r:id="rId24"/>
+    <p:sldId id="281" r:id="rId25"/>
+    <p:sldId id="279" r:id="rId26"/>
+    <p:sldId id="282" r:id="rId27"/>
+    <p:sldId id="283" r:id="rId28"/>
+    <p:sldId id="273" r:id="rId29"/>
   </p:sldIdLst>
   <p:sldSz cx="9144000" cy="6858000" type="screen4x3"/>
   <p:notesSz cx="6858000" cy="9144000"/>
@@ -352,7 +353,7 @@
           <a:p>
             <a:fld id="{13E747A0-5BC1-4062-8EC5-B5F018526088}" type="datetimeFigureOut">
               <a:rPr lang="id-ID" smtClean="0"/>
-              <a:t>23/03/2019</a:t>
+              <a:t>25/03/2019</a:t>
             </a:fld>
             <a:endParaRPr lang="id-ID"/>
           </a:p>
@@ -539,7 +540,7 @@
           <a:p>
             <a:fld id="{13E747A0-5BC1-4062-8EC5-B5F018526088}" type="datetimeFigureOut">
               <a:rPr lang="id-ID" smtClean="0"/>
-              <a:t>23/03/2019</a:t>
+              <a:t>25/03/2019</a:t>
             </a:fld>
             <a:endParaRPr lang="id-ID"/>
           </a:p>
@@ -714,7 +715,7 @@
           <a:p>
             <a:fld id="{13E747A0-5BC1-4062-8EC5-B5F018526088}" type="datetimeFigureOut">
               <a:rPr lang="id-ID" smtClean="0"/>
-              <a:t>23/03/2019</a:t>
+              <a:t>25/03/2019</a:t>
             </a:fld>
             <a:endParaRPr lang="id-ID"/>
           </a:p>
@@ -894,7 +895,7 @@
           <a:p>
             <a:fld id="{13E747A0-5BC1-4062-8EC5-B5F018526088}" type="datetimeFigureOut">
               <a:rPr lang="id-ID" smtClean="0"/>
-              <a:t>23/03/2019</a:t>
+              <a:t>25/03/2019</a:t>
             </a:fld>
             <a:endParaRPr lang="id-ID"/>
           </a:p>
@@ -1141,7 +1142,7 @@
           <a:p>
             <a:fld id="{13E747A0-5BC1-4062-8EC5-B5F018526088}" type="datetimeFigureOut">
               <a:rPr lang="id-ID" smtClean="0"/>
-              <a:t>23/03/2019</a:t>
+              <a:t>25/03/2019</a:t>
             </a:fld>
             <a:endParaRPr lang="id-ID"/>
           </a:p>
@@ -1615,7 +1616,7 @@
           <a:p>
             <a:fld id="{13E747A0-5BC1-4062-8EC5-B5F018526088}" type="datetimeFigureOut">
               <a:rPr lang="id-ID" smtClean="0"/>
-              <a:t>23/03/2019</a:t>
+              <a:t>25/03/2019</a:t>
             </a:fld>
             <a:endParaRPr lang="id-ID"/>
           </a:p>
@@ -2030,7 +2031,7 @@
           <a:p>
             <a:fld id="{13E747A0-5BC1-4062-8EC5-B5F018526088}" type="datetimeFigureOut">
               <a:rPr lang="id-ID" smtClean="0"/>
-              <a:t>23/03/2019</a:t>
+              <a:t>25/03/2019</a:t>
             </a:fld>
             <a:endParaRPr lang="id-ID"/>
           </a:p>
@@ -2161,7 +2162,7 @@
           <a:p>
             <a:fld id="{13E747A0-5BC1-4062-8EC5-B5F018526088}" type="datetimeFigureOut">
               <a:rPr lang="id-ID" smtClean="0"/>
-              <a:t>23/03/2019</a:t>
+              <a:t>25/03/2019</a:t>
             </a:fld>
             <a:endParaRPr lang="id-ID"/>
           </a:p>
@@ -2256,7 +2257,7 @@
           <a:p>
             <a:fld id="{13E747A0-5BC1-4062-8EC5-B5F018526088}" type="datetimeFigureOut">
               <a:rPr lang="id-ID" smtClean="0"/>
-              <a:t>23/03/2019</a:t>
+              <a:t>25/03/2019</a:t>
             </a:fld>
             <a:endParaRPr lang="id-ID"/>
           </a:p>
@@ -2534,7 +2535,7 @@
           <a:p>
             <a:fld id="{13E747A0-5BC1-4062-8EC5-B5F018526088}" type="datetimeFigureOut">
               <a:rPr lang="id-ID" smtClean="0"/>
-              <a:t>23/03/2019</a:t>
+              <a:t>25/03/2019</a:t>
             </a:fld>
             <a:endParaRPr lang="id-ID"/>
           </a:p>
@@ -2786,7 +2787,7 @@
           <a:p>
             <a:fld id="{13E747A0-5BC1-4062-8EC5-B5F018526088}" type="datetimeFigureOut">
               <a:rPr lang="id-ID" smtClean="0"/>
-              <a:t>23/03/2019</a:t>
+              <a:t>25/03/2019</a:t>
             </a:fld>
             <a:endParaRPr lang="id-ID"/>
           </a:p>
@@ -3158,7 +3159,7 @@
           <a:p>
             <a:fld id="{13E747A0-5BC1-4062-8EC5-B5F018526088}" type="datetimeFigureOut">
               <a:rPr lang="id-ID" smtClean="0"/>
-              <a:t>23/03/2019</a:t>
+              <a:t>25/03/2019</a:t>
             </a:fld>
             <a:endParaRPr lang="id-ID"/>
           </a:p>
@@ -3594,7 +3595,9 @@
           </a:xfrm>
         </p:spPr>
         <p:txBody>
-          <a:bodyPr/>
+          <a:bodyPr>
+            <a:normAutofit fontScale="90000"/>
+          </a:bodyPr>
           <a:lstStyle/>
           <a:p>
             <a:r>
@@ -3606,7 +3609,11 @@
             </a:br>
             <a:r>
               <a:rPr lang="id-ID" dirty="0" smtClean="0"/>
-              <a:t>(Python)</a:t>
+              <a:t>(Pengenalan Dasar Python</a:t>
+            </a:r>
+            <a:r>
+              <a:rPr lang="id-ID" dirty="0" smtClean="0"/>
+              <a:t>)</a:t>
             </a:r>
             <a:endParaRPr lang="id-ID" dirty="0"/>
           </a:p>
@@ -4115,7 +4122,7 @@
         <p:spPr/>
         <p:txBody>
           <a:bodyPr>
-            <a:normAutofit fontScale="85000" lnSpcReduction="10000"/>
+            <a:normAutofit fontScale="85000" lnSpcReduction="20000"/>
           </a:bodyPr>
           <a:lstStyle/>
           <a:p>
@@ -4140,8 +4147,13 @@
             </a:r>
             <a:r>
               <a:rPr lang="id-ID" dirty="0" smtClean="0"/>
-              <a:t>loat : bilangan yang mempunyai angka koma</a:t>
-            </a:r>
+              <a:t>loat : bilangan yang mempunyai angka </a:t>
+            </a:r>
+            <a:r>
+              <a:rPr lang="id-ID" dirty="0" smtClean="0"/>
+              <a:t>desimal</a:t>
+            </a:r>
+            <a:endParaRPr lang="id-ID" dirty="0" smtClean="0"/>
           </a:p>
           <a:p>
             <a:r>
@@ -4397,16 +4409,24 @@
               <a:buNone/>
             </a:pPr>
             <a:r>
-              <a:rPr lang="id-ID" i="1" dirty="0"/>
-              <a:t>List</a:t>
-            </a:r>
-            <a:r>
               <a:rPr lang="id-ID" dirty="0"/>
-              <a:t> adalah struktur data pada python yang mampu menyimpan lebih dari satu </a:t>
-            </a:r>
-            <a:r>
-              <a:rPr lang="id-ID" dirty="0" smtClean="0"/>
-              <a:t>data dan datanya bisa diubah-ubah, </a:t>
+              <a:t>List adalah struktur data pada python yang mampu menyimpan lebih dari satu </a:t>
+            </a:r>
+            <a:r>
+              <a:rPr lang="id-ID" dirty="0" smtClean="0"/>
+              <a:t>data(value) </a:t>
+            </a:r>
+            <a:r>
+              <a:rPr lang="id-ID" dirty="0" smtClean="0"/>
+              <a:t>dan </a:t>
+            </a:r>
+            <a:r>
+              <a:rPr lang="id-ID" dirty="0" smtClean="0"/>
+              <a:t>datanya(valuenya) </a:t>
+            </a:r>
+            <a:r>
+              <a:rPr lang="id-ID" dirty="0" smtClean="0"/>
+              <a:t>bisa diubah-ubah, </a:t>
             </a:r>
             <a:r>
               <a:rPr lang="id-ID" dirty="0"/>
@@ -4423,7 +4443,7 @@
             </a:pPr>
             <a:r>
               <a:rPr lang="id-ID" dirty="0" smtClean="0"/>
-              <a:t>List umumnya ditandai dengan kurung siku.</a:t>
+              <a:t>List umumnya ditandai dengan kurung </a:t>
             </a:r>
           </a:p>
           <a:p>
@@ -4466,8 +4486,8 @@
         </p:blipFill>
         <p:spPr bwMode="auto">
           <a:xfrm>
-            <a:off x="611560" y="4941168"/>
-            <a:ext cx="6480720" cy="1584176"/>
+            <a:off x="2362742" y="4797152"/>
+            <a:ext cx="6480720" cy="1331673"/>
           </a:xfrm>
           <a:prstGeom prst="rect">
             <a:avLst/>
@@ -4534,82 +4554,15 @@
           <a:chExt cx="0" cy="0"/>
         </a:xfrm>
       </p:grpSpPr>
-      <p:sp>
-        <p:nvSpPr>
-          <p:cNvPr id="2" name="Title 1"/>
-          <p:cNvSpPr>
-            <a:spLocks noGrp="1"/>
-          </p:cNvSpPr>
-          <p:nvPr>
-            <p:ph type="title"/>
-          </p:nvPr>
-        </p:nvSpPr>
-        <p:spPr/>
-        <p:txBody>
-          <a:bodyPr/>
-          <a:lstStyle/>
-          <a:p>
-            <a:r>
-              <a:rPr lang="id-ID" dirty="0" smtClean="0"/>
-              <a:t>Tipe Data python</a:t>
-            </a:r>
-            <a:endParaRPr lang="id-ID" dirty="0"/>
-          </a:p>
-        </p:txBody>
-      </p:sp>
-      <p:sp>
-        <p:nvSpPr>
-          <p:cNvPr id="3" name="Content Placeholder 2"/>
-          <p:cNvSpPr>
-            <a:spLocks noGrp="1"/>
-          </p:cNvSpPr>
-          <p:nvPr>
-            <p:ph idx="1"/>
-          </p:nvPr>
-        </p:nvSpPr>
-        <p:spPr/>
-        <p:txBody>
-          <a:bodyPr/>
-          <a:lstStyle/>
-          <a:p>
-            <a:pPr marL="64008" indent="0">
-              <a:buNone/>
-            </a:pPr>
-            <a:r>
-              <a:rPr lang="id-ID" dirty="0" smtClean="0"/>
-              <a:t>Tuple sebenarnya hampir sama dengan tipe data list. Yang membedakannya adalah nilai/data dari tuple tidak dapat diubah-ubah seperti tipe data list.</a:t>
-            </a:r>
-          </a:p>
-          <a:p>
-            <a:pPr marL="64008" indent="0">
-              <a:buNone/>
-            </a:pPr>
-            <a:r>
-              <a:rPr lang="id-ID" dirty="0" smtClean="0"/>
-              <a:t>Tuple umumnya ditandai dengan kurung (..., ..., ...)</a:t>
-            </a:r>
-          </a:p>
-          <a:p>
-            <a:pPr marL="64008" indent="0">
-              <a:buNone/>
-            </a:pPr>
-            <a:endParaRPr lang="id-ID" dirty="0" smtClean="0"/>
-          </a:p>
-          <a:p>
-            <a:pPr marL="64008" indent="0">
-              <a:buNone/>
-            </a:pPr>
-            <a:endParaRPr lang="id-ID" dirty="0"/>
-          </a:p>
-        </p:txBody>
-      </p:sp>
       <p:pic>
         <p:nvPicPr>
-          <p:cNvPr id="9218" name="Picture 2"/>
+          <p:cNvPr id="1026" name="Picture 2"/>
           <p:cNvPicPr>
-            <a:picLocks noChangeAspect="1" noChangeArrowheads="1"/>
+            <a:picLocks noGrp="1" noChangeAspect="1" noChangeArrowheads="1"/>
           </p:cNvPicPr>
-          <p:nvPr/>
+          <p:nvPr>
+            <p:ph idx="1"/>
+          </p:nvPr>
         </p:nvPicPr>
         <p:blipFill>
           <a:blip r:embed="rId2">
@@ -4626,8 +4579,8 @@
         </p:blipFill>
         <p:spPr bwMode="auto">
           <a:xfrm>
-            <a:off x="611560" y="4941168"/>
-            <a:ext cx="7128792" cy="1224136"/>
+            <a:off x="611560" y="1844824"/>
+            <a:ext cx="5091994" cy="1080120"/>
           </a:xfrm>
           <a:prstGeom prst="rect">
             <a:avLst/>
@@ -4657,136 +4610,16 @@
           </a:extLst>
         </p:spPr>
       </p:pic>
-    </p:spTree>
-    <p:extLst>
-      <p:ext uri="{BB962C8B-B14F-4D97-AF65-F5344CB8AC3E}">
-        <p14:creationId xmlns:p14="http://schemas.microsoft.com/office/powerpoint/2010/main" val="1646772006"/>
-      </p:ext>
-    </p:extLst>
-  </p:cSld>
-  <p:clrMapOvr>
-    <a:masterClrMapping/>
-  </p:clrMapOvr>
-  <p:timing>
-    <p:tnLst>
-      <p:par>
-        <p:cTn id="1" dur="indefinite" restart="never" nodeType="tmRoot"/>
-      </p:par>
-    </p:tnLst>
-  </p:timing>
-</p:sld>
-</file>
-
-<file path=ppt/slides/slide16.xml><?xml version="1.0" encoding="utf-8"?>
-<p:sld xmlns:a="http://schemas.openxmlformats.org/drawingml/2006/main" xmlns:r="http://schemas.openxmlformats.org/officeDocument/2006/relationships" xmlns:p="http://schemas.openxmlformats.org/presentationml/2006/main">
-  <p:cSld>
-    <p:spTree>
-      <p:nvGrpSpPr>
-        <p:cNvPr id="1" name=""/>
-        <p:cNvGrpSpPr/>
-        <p:nvPr/>
-      </p:nvGrpSpPr>
-      <p:grpSpPr>
-        <a:xfrm>
-          <a:off x="0" y="0"/>
-          <a:ext cx="0" cy="0"/>
-          <a:chOff x="0" y="0"/>
-          <a:chExt cx="0" cy="0"/>
-        </a:xfrm>
-      </p:grpSpPr>
-      <p:sp>
-        <p:nvSpPr>
-          <p:cNvPr id="2" name="Title 1"/>
-          <p:cNvSpPr>
-            <a:spLocks noGrp="1"/>
-          </p:cNvSpPr>
-          <p:nvPr>
-            <p:ph type="title"/>
-          </p:nvPr>
-        </p:nvSpPr>
-        <p:spPr/>
-        <p:txBody>
-          <a:bodyPr/>
-          <a:lstStyle/>
-          <a:p>
-            <a:r>
-              <a:rPr lang="id-ID" dirty="0" smtClean="0"/>
-              <a:t>Tipe Data python</a:t>
-            </a:r>
-            <a:endParaRPr lang="id-ID" dirty="0"/>
-          </a:p>
-        </p:txBody>
-      </p:sp>
-      <p:sp>
-        <p:nvSpPr>
-          <p:cNvPr id="3" name="Content Placeholder 2"/>
-          <p:cNvSpPr>
-            <a:spLocks noGrp="1"/>
-          </p:cNvSpPr>
-          <p:nvPr>
-            <p:ph idx="1"/>
-          </p:nvPr>
-        </p:nvSpPr>
-        <p:spPr>
-          <a:xfrm>
-            <a:off x="457200" y="1556792"/>
-            <a:ext cx="8229600" cy="4572000"/>
-          </a:xfrm>
-        </p:spPr>
-        <p:txBody>
-          <a:bodyPr/>
-          <a:lstStyle/>
-          <a:p>
-            <a:pPr marL="64008" indent="0">
-              <a:buNone/>
-            </a:pPr>
-            <a:r>
-              <a:rPr lang="id-ID" dirty="0" smtClean="0"/>
-              <a:t>Dictionary adalah struktur data pada python yang berisi tentang key dan value.</a:t>
-            </a:r>
-          </a:p>
-          <a:p>
-            <a:pPr marL="64008" indent="0">
-              <a:buNone/>
-            </a:pPr>
-            <a:r>
-              <a:rPr lang="id-ID" dirty="0" smtClean="0"/>
-              <a:t>Untuk melihat sebuah value dari dictionary diharuskan mengetahui key nya terlebih dahulu.</a:t>
-            </a:r>
-          </a:p>
-          <a:p>
-            <a:pPr marL="64008" indent="0">
-              <a:buNone/>
-            </a:pPr>
-            <a:r>
-              <a:rPr lang="id-ID" dirty="0" smtClean="0"/>
-              <a:t>Dictionary umumnya ditandai dengan kurung kurawal {key : value, key : value, key : value}</a:t>
-            </a:r>
-          </a:p>
-          <a:p>
-            <a:pPr marL="64008" indent="0">
-              <a:buNone/>
-            </a:pPr>
-            <a:endParaRPr lang="id-ID" dirty="0" smtClean="0"/>
-          </a:p>
-          <a:p>
-            <a:pPr marL="64008" indent="0">
-              <a:buNone/>
-            </a:pPr>
-            <a:endParaRPr lang="id-ID" dirty="0"/>
-          </a:p>
-        </p:txBody>
-      </p:sp>
       <p:pic>
         <p:nvPicPr>
-          <p:cNvPr id="10242" name="Picture 2"/>
+          <p:cNvPr id="1027" name="Picture 3"/>
           <p:cNvPicPr>
             <a:picLocks noChangeAspect="1" noChangeArrowheads="1"/>
           </p:cNvPicPr>
           <p:nvPr/>
         </p:nvPicPr>
         <p:blipFill>
-          <a:blip r:embed="rId2">
+          <a:blip r:embed="rId3">
             <a:extLst>
               <a:ext uri="{28A0092B-C50C-407E-A947-70E740481C1C}">
                 <a14:useLocalDpi xmlns:a14="http://schemas.microsoft.com/office/drawing/2010/main" val="0"/>
@@ -4800,8 +4633,8 @@
         </p:blipFill>
         <p:spPr bwMode="auto">
           <a:xfrm>
-            <a:off x="611560" y="5589240"/>
-            <a:ext cx="7488832" cy="1008112"/>
+            <a:off x="611560" y="2924944"/>
+            <a:ext cx="5112568" cy="1440160"/>
           </a:xfrm>
           <a:prstGeom prst="rect">
             <a:avLst/>
@@ -4834,7 +4667,160 @@
     </p:spTree>
     <p:extLst>
       <p:ext uri="{BB962C8B-B14F-4D97-AF65-F5344CB8AC3E}">
-        <p14:creationId xmlns:p14="http://schemas.microsoft.com/office/powerpoint/2010/main" val="3142035677"/>
+        <p14:creationId xmlns:p14="http://schemas.microsoft.com/office/powerpoint/2010/main" val="1487207214"/>
+      </p:ext>
+    </p:extLst>
+  </p:cSld>
+  <p:clrMapOvr>
+    <a:masterClrMapping/>
+  </p:clrMapOvr>
+</p:sld>
+</file>
+
+<file path=ppt/slides/slide16.xml><?xml version="1.0" encoding="utf-8"?>
+<p:sld xmlns:a="http://schemas.openxmlformats.org/drawingml/2006/main" xmlns:r="http://schemas.openxmlformats.org/officeDocument/2006/relationships" xmlns:p="http://schemas.openxmlformats.org/presentationml/2006/main">
+  <p:cSld>
+    <p:spTree>
+      <p:nvGrpSpPr>
+        <p:cNvPr id="1" name=""/>
+        <p:cNvGrpSpPr/>
+        <p:nvPr/>
+      </p:nvGrpSpPr>
+      <p:grpSpPr>
+        <a:xfrm>
+          <a:off x="0" y="0"/>
+          <a:ext cx="0" cy="0"/>
+          <a:chOff x="0" y="0"/>
+          <a:chExt cx="0" cy="0"/>
+        </a:xfrm>
+      </p:grpSpPr>
+      <p:sp>
+        <p:nvSpPr>
+          <p:cNvPr id="2" name="Title 1"/>
+          <p:cNvSpPr>
+            <a:spLocks noGrp="1"/>
+          </p:cNvSpPr>
+          <p:nvPr>
+            <p:ph type="title"/>
+          </p:nvPr>
+        </p:nvSpPr>
+        <p:spPr/>
+        <p:txBody>
+          <a:bodyPr/>
+          <a:lstStyle/>
+          <a:p>
+            <a:r>
+              <a:rPr lang="id-ID" dirty="0" smtClean="0"/>
+              <a:t>Tipe Data python</a:t>
+            </a:r>
+            <a:endParaRPr lang="id-ID" dirty="0"/>
+          </a:p>
+        </p:txBody>
+      </p:sp>
+      <p:sp>
+        <p:nvSpPr>
+          <p:cNvPr id="3" name="Content Placeholder 2"/>
+          <p:cNvSpPr>
+            <a:spLocks noGrp="1"/>
+          </p:cNvSpPr>
+          <p:nvPr>
+            <p:ph idx="1"/>
+          </p:nvPr>
+        </p:nvSpPr>
+        <p:spPr/>
+        <p:txBody>
+          <a:bodyPr/>
+          <a:lstStyle/>
+          <a:p>
+            <a:pPr marL="64008" indent="0">
+              <a:buNone/>
+            </a:pPr>
+            <a:r>
+              <a:rPr lang="id-ID" dirty="0" smtClean="0"/>
+              <a:t>Tuple sebenarnya hampir sama dengan tipe data list. Yang membedakannya adalah nilai/data dari tuple tidak dapat diubah-ubah seperti tipe data list.</a:t>
+            </a:r>
+          </a:p>
+          <a:p>
+            <a:pPr marL="64008" indent="0">
+              <a:buNone/>
+            </a:pPr>
+            <a:r>
+              <a:rPr lang="id-ID" dirty="0" smtClean="0"/>
+              <a:t>Tuple umumnya ditandai dengan kurung (..., ..., ...)</a:t>
+            </a:r>
+          </a:p>
+          <a:p>
+            <a:pPr marL="64008" indent="0">
+              <a:buNone/>
+            </a:pPr>
+            <a:endParaRPr lang="id-ID" dirty="0" smtClean="0"/>
+          </a:p>
+          <a:p>
+            <a:pPr marL="64008" indent="0">
+              <a:buNone/>
+            </a:pPr>
+            <a:endParaRPr lang="id-ID" dirty="0"/>
+          </a:p>
+        </p:txBody>
+      </p:sp>
+      <p:pic>
+        <p:nvPicPr>
+          <p:cNvPr id="9218" name="Picture 2"/>
+          <p:cNvPicPr>
+            <a:picLocks noChangeAspect="1" noChangeArrowheads="1"/>
+          </p:cNvPicPr>
+          <p:nvPr/>
+        </p:nvPicPr>
+        <p:blipFill>
+          <a:blip r:embed="rId2">
+            <a:extLst>
+              <a:ext uri="{28A0092B-C50C-407E-A947-70E740481C1C}">
+                <a14:useLocalDpi xmlns:a14="http://schemas.microsoft.com/office/drawing/2010/main" val="0"/>
+              </a:ext>
+            </a:extLst>
+          </a:blip>
+          <a:srcRect/>
+          <a:stretch>
+            <a:fillRect/>
+          </a:stretch>
+        </p:blipFill>
+        <p:spPr bwMode="auto">
+          <a:xfrm>
+            <a:off x="611560" y="4941168"/>
+            <a:ext cx="7128792" cy="1224136"/>
+          </a:xfrm>
+          <a:prstGeom prst="rect">
+            <a:avLst/>
+          </a:prstGeom>
+          <a:noFill/>
+          <a:ln>
+            <a:noFill/>
+          </a:ln>
+          <a:extLst>
+            <a:ext uri="{909E8E84-426E-40DD-AFC4-6F175D3DCCD1}">
+              <a14:hiddenFill xmlns:a14="http://schemas.microsoft.com/office/drawing/2010/main">
+                <a:solidFill>
+                  <a:schemeClr val="accent1"/>
+                </a:solidFill>
+              </a14:hiddenFill>
+            </a:ext>
+            <a:ext uri="{91240B29-F687-4F45-9708-019B960494DF}">
+              <a14:hiddenLine xmlns:a14="http://schemas.microsoft.com/office/drawing/2010/main" w="9525">
+                <a:solidFill>
+                  <a:schemeClr val="tx1"/>
+                </a:solidFill>
+                <a:miter lim="800000"/>
+                <a:headEnd/>
+                <a:tailEnd/>
+              </a14:hiddenLine>
+            </a:ext>
+          </a:extLst>
+        </p:spPr>
+      </p:pic>
+    </p:spTree>
+    <p:extLst>
+      <p:ext uri="{BB962C8B-B14F-4D97-AF65-F5344CB8AC3E}">
+        <p14:creationId xmlns:p14="http://schemas.microsoft.com/office/powerpoint/2010/main" val="1646772006"/>
       </p:ext>
     </p:extLst>
   </p:cSld>
@@ -4885,7 +4871,7 @@
           <a:p>
             <a:r>
               <a:rPr lang="id-ID" dirty="0" smtClean="0"/>
-              <a:t>Tipe Data Python</a:t>
+              <a:t>Tipe Data python</a:t>
             </a:r>
             <a:endParaRPr lang="id-ID" dirty="0"/>
           </a:p>
@@ -4901,49 +4887,59 @@
             <p:ph idx="1"/>
           </p:nvPr>
         </p:nvSpPr>
-        <p:spPr/>
+        <p:spPr>
+          <a:xfrm>
+            <a:off x="457200" y="1556792"/>
+            <a:ext cx="8229600" cy="4572000"/>
+          </a:xfrm>
+        </p:spPr>
         <p:txBody>
           <a:bodyPr/>
           <a:lstStyle/>
           <a:p>
-            <a:r>
-              <a:rPr lang="id-ID" dirty="0"/>
-              <a:t>Akses </a:t>
-            </a:r>
-            <a:r>
-              <a:rPr lang="id-ID" dirty="0" smtClean="0"/>
-              <a:t>elemen Dictionary </a:t>
-            </a:r>
-            <a:r>
-              <a:rPr lang="id-ID" dirty="0"/>
-              <a:t>Python</a:t>
-            </a:r>
-          </a:p>
-          <a:p>
-            <a:r>
-              <a:rPr lang="id-ID" dirty="0"/>
-              <a:t>Update </a:t>
-            </a:r>
-            <a:r>
-              <a:rPr lang="id-ID" dirty="0" smtClean="0"/>
-              <a:t>element Dictionary Python</a:t>
-            </a:r>
-          </a:p>
-          <a:p>
-            <a:r>
-              <a:rPr lang="id-ID" dirty="0" smtClean="0"/>
-              <a:t>Hapus element Dictionary Python</a:t>
-            </a:r>
-            <a:endParaRPr lang="id-ID" dirty="0"/>
-          </a:p>
-          <a:p>
+            <a:pPr marL="64008" indent="0">
+              <a:buNone/>
+            </a:pPr>
+            <a:r>
+              <a:rPr lang="id-ID" dirty="0" smtClean="0"/>
+              <a:t>Dictionary adalah struktur data pada python yang berisi tentang key dan value.</a:t>
+            </a:r>
+          </a:p>
+          <a:p>
+            <a:pPr marL="64008" indent="0">
+              <a:buNone/>
+            </a:pPr>
+            <a:r>
+              <a:rPr lang="id-ID" dirty="0" smtClean="0"/>
+              <a:t>Untuk melihat sebuah value dari dictionary diharuskan mengetahui key nya terlebih dahulu.</a:t>
+            </a:r>
+          </a:p>
+          <a:p>
+            <a:pPr marL="64008" indent="0">
+              <a:buNone/>
+            </a:pPr>
+            <a:r>
+              <a:rPr lang="id-ID" dirty="0" smtClean="0"/>
+              <a:t>Dictionary umumnya ditandai dengan kurung kurawal {key : value, key : value, key : value}</a:t>
+            </a:r>
+          </a:p>
+          <a:p>
+            <a:pPr marL="64008" indent="0">
+              <a:buNone/>
+            </a:pPr>
+            <a:endParaRPr lang="id-ID" dirty="0" smtClean="0"/>
+          </a:p>
+          <a:p>
+            <a:pPr marL="64008" indent="0">
+              <a:buNone/>
+            </a:pPr>
             <a:endParaRPr lang="id-ID" dirty="0"/>
           </a:p>
         </p:txBody>
       </p:sp>
       <p:pic>
         <p:nvPicPr>
-          <p:cNvPr id="11266" name="Picture 2"/>
+          <p:cNvPr id="10242" name="Picture 2"/>
           <p:cNvPicPr>
             <a:picLocks noChangeAspect="1" noChangeArrowheads="1"/>
           </p:cNvPicPr>
@@ -4964,8 +4960,8 @@
         </p:blipFill>
         <p:spPr bwMode="auto">
           <a:xfrm>
-            <a:off x="611560" y="3662363"/>
-            <a:ext cx="7056784" cy="918765"/>
+            <a:off x="611560" y="5589240"/>
+            <a:ext cx="7488832" cy="1008112"/>
           </a:xfrm>
           <a:prstGeom prst="rect">
             <a:avLst/>
@@ -4995,172 +4991,10 @@
           </a:extLst>
         </p:spPr>
       </p:pic>
-      <p:pic>
-        <p:nvPicPr>
-          <p:cNvPr id="11267" name="Picture 3"/>
-          <p:cNvPicPr>
-            <a:picLocks noChangeAspect="1" noChangeArrowheads="1"/>
-          </p:cNvPicPr>
-          <p:nvPr/>
-        </p:nvPicPr>
-        <p:blipFill>
-          <a:blip r:embed="rId3">
-            <a:extLst>
-              <a:ext uri="{28A0092B-C50C-407E-A947-70E740481C1C}">
-                <a14:useLocalDpi xmlns:a14="http://schemas.microsoft.com/office/drawing/2010/main" val="0"/>
-              </a:ext>
-            </a:extLst>
-          </a:blip>
-          <a:srcRect/>
-          <a:stretch>
-            <a:fillRect/>
-          </a:stretch>
-        </p:blipFill>
-        <p:spPr bwMode="auto">
-          <a:xfrm>
-            <a:off x="611560" y="4797151"/>
-            <a:ext cx="6552727" cy="459323"/>
-          </a:xfrm>
-          <a:prstGeom prst="rect">
-            <a:avLst/>
-          </a:prstGeom>
-          <a:noFill/>
-          <a:ln>
-            <a:noFill/>
-          </a:ln>
-          <a:extLst>
-            <a:ext uri="{909E8E84-426E-40DD-AFC4-6F175D3DCCD1}">
-              <a14:hiddenFill xmlns:a14="http://schemas.microsoft.com/office/drawing/2010/main">
-                <a:solidFill>
-                  <a:schemeClr val="accent1"/>
-                </a:solidFill>
-              </a14:hiddenFill>
-            </a:ext>
-            <a:ext uri="{91240B29-F687-4F45-9708-019B960494DF}">
-              <a14:hiddenLine xmlns:a14="http://schemas.microsoft.com/office/drawing/2010/main" w="9525">
-                <a:solidFill>
-                  <a:schemeClr val="tx1"/>
-                </a:solidFill>
-                <a:miter lim="800000"/>
-                <a:headEnd/>
-                <a:tailEnd/>
-              </a14:hiddenLine>
-            </a:ext>
-          </a:extLst>
-        </p:spPr>
-      </p:pic>
-      <p:pic>
-        <p:nvPicPr>
-          <p:cNvPr id="11269" name="Picture 5"/>
-          <p:cNvPicPr>
-            <a:picLocks noChangeAspect="1" noChangeArrowheads="1"/>
-          </p:cNvPicPr>
-          <p:nvPr/>
-        </p:nvPicPr>
-        <p:blipFill>
-          <a:blip r:embed="rId4">
-            <a:extLst>
-              <a:ext uri="{28A0092B-C50C-407E-A947-70E740481C1C}">
-                <a14:useLocalDpi xmlns:a14="http://schemas.microsoft.com/office/drawing/2010/main" val="0"/>
-              </a:ext>
-            </a:extLst>
-          </a:blip>
-          <a:srcRect/>
-          <a:stretch>
-            <a:fillRect/>
-          </a:stretch>
-        </p:blipFill>
-        <p:spPr bwMode="auto">
-          <a:xfrm>
-            <a:off x="622942" y="5256474"/>
-            <a:ext cx="6541345" cy="548790"/>
-          </a:xfrm>
-          <a:prstGeom prst="rect">
-            <a:avLst/>
-          </a:prstGeom>
-          <a:noFill/>
-          <a:ln>
-            <a:noFill/>
-          </a:ln>
-          <a:extLst>
-            <a:ext uri="{909E8E84-426E-40DD-AFC4-6F175D3DCCD1}">
-              <a14:hiddenFill xmlns:a14="http://schemas.microsoft.com/office/drawing/2010/main">
-                <a:solidFill>
-                  <a:schemeClr val="accent1"/>
-                </a:solidFill>
-              </a14:hiddenFill>
-            </a:ext>
-            <a:ext uri="{91240B29-F687-4F45-9708-019B960494DF}">
-              <a14:hiddenLine xmlns:a14="http://schemas.microsoft.com/office/drawing/2010/main" w="9525">
-                <a:solidFill>
-                  <a:schemeClr val="tx1"/>
-                </a:solidFill>
-                <a:miter lim="800000"/>
-                <a:headEnd/>
-                <a:tailEnd/>
-              </a14:hiddenLine>
-            </a:ext>
-          </a:extLst>
-        </p:spPr>
-      </p:pic>
-      <p:pic>
-        <p:nvPicPr>
-          <p:cNvPr id="11270" name="Picture 6"/>
-          <p:cNvPicPr>
-            <a:picLocks noChangeAspect="1" noChangeArrowheads="1"/>
-          </p:cNvPicPr>
-          <p:nvPr/>
-        </p:nvPicPr>
-        <p:blipFill>
-          <a:blip r:embed="rId5">
-            <a:extLst>
-              <a:ext uri="{28A0092B-C50C-407E-A947-70E740481C1C}">
-                <a14:useLocalDpi xmlns:a14="http://schemas.microsoft.com/office/drawing/2010/main" val="0"/>
-              </a:ext>
-            </a:extLst>
-          </a:blip>
-          <a:srcRect/>
-          <a:stretch>
-            <a:fillRect/>
-          </a:stretch>
-        </p:blipFill>
-        <p:spPr bwMode="auto">
-          <a:xfrm>
-            <a:off x="622942" y="5949280"/>
-            <a:ext cx="7261426" cy="720080"/>
-          </a:xfrm>
-          <a:prstGeom prst="rect">
-            <a:avLst/>
-          </a:prstGeom>
-          <a:noFill/>
-          <a:ln>
-            <a:noFill/>
-          </a:ln>
-          <a:extLst>
-            <a:ext uri="{909E8E84-426E-40DD-AFC4-6F175D3DCCD1}">
-              <a14:hiddenFill xmlns:a14="http://schemas.microsoft.com/office/drawing/2010/main">
-                <a:solidFill>
-                  <a:schemeClr val="accent1"/>
-                </a:solidFill>
-              </a14:hiddenFill>
-            </a:ext>
-            <a:ext uri="{91240B29-F687-4F45-9708-019B960494DF}">
-              <a14:hiddenLine xmlns:a14="http://schemas.microsoft.com/office/drawing/2010/main" w="9525">
-                <a:solidFill>
-                  <a:schemeClr val="tx1"/>
-                </a:solidFill>
-                <a:miter lim="800000"/>
-                <a:headEnd/>
-                <a:tailEnd/>
-              </a14:hiddenLine>
-            </a:ext>
-          </a:extLst>
-        </p:spPr>
-      </p:pic>
     </p:spTree>
     <p:extLst>
       <p:ext uri="{BB962C8B-B14F-4D97-AF65-F5344CB8AC3E}">
-        <p14:creationId xmlns:p14="http://schemas.microsoft.com/office/powerpoint/2010/main" val="1911011511"/>
+        <p14:creationId xmlns:p14="http://schemas.microsoft.com/office/powerpoint/2010/main" val="3142035677"/>
       </p:ext>
     </p:extLst>
   </p:cSld>
@@ -5211,7 +5045,7 @@
           <a:p>
             <a:r>
               <a:rPr lang="id-ID" dirty="0" smtClean="0"/>
-              <a:t>Operator Python</a:t>
+              <a:t>Tipe Data Python</a:t>
             </a:r>
             <a:endParaRPr lang="id-ID" dirty="0"/>
           </a:p>
@@ -5233,53 +5067,260 @@
           <a:lstStyle/>
           <a:p>
             <a:r>
-              <a:rPr lang="id-ID" dirty="0" smtClean="0"/>
-              <a:t>Operator Aritmatika(Arithmethic)</a:t>
-            </a:r>
-          </a:p>
-          <a:p>
-            <a:r>
-              <a:rPr lang="id-ID" dirty="0" smtClean="0"/>
-              <a:t>Operator Perbandingan(Comparisson)</a:t>
-            </a:r>
-          </a:p>
-          <a:p>
-            <a:r>
-              <a:rPr lang="id-ID" dirty="0" smtClean="0"/>
-              <a:t>Operator Penugasan(Assignment)</a:t>
-            </a:r>
-          </a:p>
-          <a:p>
-            <a:r>
-              <a:rPr lang="id-ID" dirty="0" smtClean="0"/>
-              <a:t>Operator Logika(Logical)</a:t>
-            </a:r>
-          </a:p>
-          <a:p>
-            <a:r>
-              <a:rPr lang="id-ID" dirty="0" smtClean="0"/>
-              <a:t>Operator Bitwise(Bitwise)</a:t>
-            </a:r>
-          </a:p>
-          <a:p>
-            <a:r>
-              <a:rPr lang="id-ID" dirty="0" smtClean="0"/>
-              <a:t>Operator Keanggotaan(Memebership)</a:t>
-            </a:r>
-          </a:p>
-          <a:p>
-            <a:r>
-              <a:rPr lang="id-ID" dirty="0" smtClean="0"/>
-              <a:t>Operator Identitas(Identity)</a:t>
+              <a:rPr lang="id-ID" dirty="0"/>
+              <a:t>Akses </a:t>
+            </a:r>
+            <a:r>
+              <a:rPr lang="id-ID" dirty="0" smtClean="0"/>
+              <a:t>elemen Dictionary </a:t>
+            </a:r>
+            <a:r>
+              <a:rPr lang="id-ID" dirty="0"/>
+              <a:t>Python</a:t>
+            </a:r>
+          </a:p>
+          <a:p>
+            <a:r>
+              <a:rPr lang="id-ID" dirty="0"/>
+              <a:t>Update </a:t>
+            </a:r>
+            <a:r>
+              <a:rPr lang="id-ID" dirty="0" smtClean="0"/>
+              <a:t>element Dictionary Python</a:t>
+            </a:r>
+          </a:p>
+          <a:p>
+            <a:r>
+              <a:rPr lang="id-ID" dirty="0" smtClean="0"/>
+              <a:t>Hapus element Dictionary Python</a:t>
             </a:r>
             <a:endParaRPr lang="id-ID" dirty="0"/>
           </a:p>
-        </p:txBody>
-      </p:sp>
+          <a:p>
+            <a:endParaRPr lang="id-ID" dirty="0"/>
+          </a:p>
+        </p:txBody>
+      </p:sp>
+      <p:pic>
+        <p:nvPicPr>
+          <p:cNvPr id="11266" name="Picture 2"/>
+          <p:cNvPicPr>
+            <a:picLocks noChangeAspect="1" noChangeArrowheads="1"/>
+          </p:cNvPicPr>
+          <p:nvPr/>
+        </p:nvPicPr>
+        <p:blipFill>
+          <a:blip r:embed="rId2">
+            <a:extLst>
+              <a:ext uri="{28A0092B-C50C-407E-A947-70E740481C1C}">
+                <a14:useLocalDpi xmlns:a14="http://schemas.microsoft.com/office/drawing/2010/main" val="0"/>
+              </a:ext>
+            </a:extLst>
+          </a:blip>
+          <a:srcRect/>
+          <a:stretch>
+            <a:fillRect/>
+          </a:stretch>
+        </p:blipFill>
+        <p:spPr bwMode="auto">
+          <a:xfrm>
+            <a:off x="611560" y="3662363"/>
+            <a:ext cx="7056784" cy="918765"/>
+          </a:xfrm>
+          <a:prstGeom prst="rect">
+            <a:avLst/>
+          </a:prstGeom>
+          <a:noFill/>
+          <a:ln>
+            <a:noFill/>
+          </a:ln>
+          <a:extLst>
+            <a:ext uri="{909E8E84-426E-40DD-AFC4-6F175D3DCCD1}">
+              <a14:hiddenFill xmlns:a14="http://schemas.microsoft.com/office/drawing/2010/main">
+                <a:solidFill>
+                  <a:schemeClr val="accent1"/>
+                </a:solidFill>
+              </a14:hiddenFill>
+            </a:ext>
+            <a:ext uri="{91240B29-F687-4F45-9708-019B960494DF}">
+              <a14:hiddenLine xmlns:a14="http://schemas.microsoft.com/office/drawing/2010/main" w="9525">
+                <a:solidFill>
+                  <a:schemeClr val="tx1"/>
+                </a:solidFill>
+                <a:miter lim="800000"/>
+                <a:headEnd/>
+                <a:tailEnd/>
+              </a14:hiddenLine>
+            </a:ext>
+          </a:extLst>
+        </p:spPr>
+      </p:pic>
+      <p:pic>
+        <p:nvPicPr>
+          <p:cNvPr id="11267" name="Picture 3"/>
+          <p:cNvPicPr>
+            <a:picLocks noChangeAspect="1" noChangeArrowheads="1"/>
+          </p:cNvPicPr>
+          <p:nvPr/>
+        </p:nvPicPr>
+        <p:blipFill>
+          <a:blip r:embed="rId3">
+            <a:extLst>
+              <a:ext uri="{28A0092B-C50C-407E-A947-70E740481C1C}">
+                <a14:useLocalDpi xmlns:a14="http://schemas.microsoft.com/office/drawing/2010/main" val="0"/>
+              </a:ext>
+            </a:extLst>
+          </a:blip>
+          <a:srcRect/>
+          <a:stretch>
+            <a:fillRect/>
+          </a:stretch>
+        </p:blipFill>
+        <p:spPr bwMode="auto">
+          <a:xfrm>
+            <a:off x="611560" y="4797151"/>
+            <a:ext cx="6552727" cy="459323"/>
+          </a:xfrm>
+          <a:prstGeom prst="rect">
+            <a:avLst/>
+          </a:prstGeom>
+          <a:noFill/>
+          <a:ln>
+            <a:noFill/>
+          </a:ln>
+          <a:extLst>
+            <a:ext uri="{909E8E84-426E-40DD-AFC4-6F175D3DCCD1}">
+              <a14:hiddenFill xmlns:a14="http://schemas.microsoft.com/office/drawing/2010/main">
+                <a:solidFill>
+                  <a:schemeClr val="accent1"/>
+                </a:solidFill>
+              </a14:hiddenFill>
+            </a:ext>
+            <a:ext uri="{91240B29-F687-4F45-9708-019B960494DF}">
+              <a14:hiddenLine xmlns:a14="http://schemas.microsoft.com/office/drawing/2010/main" w="9525">
+                <a:solidFill>
+                  <a:schemeClr val="tx1"/>
+                </a:solidFill>
+                <a:miter lim="800000"/>
+                <a:headEnd/>
+                <a:tailEnd/>
+              </a14:hiddenLine>
+            </a:ext>
+          </a:extLst>
+        </p:spPr>
+      </p:pic>
+      <p:pic>
+        <p:nvPicPr>
+          <p:cNvPr id="11269" name="Picture 5"/>
+          <p:cNvPicPr>
+            <a:picLocks noChangeAspect="1" noChangeArrowheads="1"/>
+          </p:cNvPicPr>
+          <p:nvPr/>
+        </p:nvPicPr>
+        <p:blipFill>
+          <a:blip r:embed="rId4">
+            <a:extLst>
+              <a:ext uri="{28A0092B-C50C-407E-A947-70E740481C1C}">
+                <a14:useLocalDpi xmlns:a14="http://schemas.microsoft.com/office/drawing/2010/main" val="0"/>
+              </a:ext>
+            </a:extLst>
+          </a:blip>
+          <a:srcRect/>
+          <a:stretch>
+            <a:fillRect/>
+          </a:stretch>
+        </p:blipFill>
+        <p:spPr bwMode="auto">
+          <a:xfrm>
+            <a:off x="622942" y="5256474"/>
+            <a:ext cx="6541345" cy="548790"/>
+          </a:xfrm>
+          <a:prstGeom prst="rect">
+            <a:avLst/>
+          </a:prstGeom>
+          <a:noFill/>
+          <a:ln>
+            <a:noFill/>
+          </a:ln>
+          <a:extLst>
+            <a:ext uri="{909E8E84-426E-40DD-AFC4-6F175D3DCCD1}">
+              <a14:hiddenFill xmlns:a14="http://schemas.microsoft.com/office/drawing/2010/main">
+                <a:solidFill>
+                  <a:schemeClr val="accent1"/>
+                </a:solidFill>
+              </a14:hiddenFill>
+            </a:ext>
+            <a:ext uri="{91240B29-F687-4F45-9708-019B960494DF}">
+              <a14:hiddenLine xmlns:a14="http://schemas.microsoft.com/office/drawing/2010/main" w="9525">
+                <a:solidFill>
+                  <a:schemeClr val="tx1"/>
+                </a:solidFill>
+                <a:miter lim="800000"/>
+                <a:headEnd/>
+                <a:tailEnd/>
+              </a14:hiddenLine>
+            </a:ext>
+          </a:extLst>
+        </p:spPr>
+      </p:pic>
+      <p:pic>
+        <p:nvPicPr>
+          <p:cNvPr id="11270" name="Picture 6"/>
+          <p:cNvPicPr>
+            <a:picLocks noChangeAspect="1" noChangeArrowheads="1"/>
+          </p:cNvPicPr>
+          <p:nvPr/>
+        </p:nvPicPr>
+        <p:blipFill>
+          <a:blip r:embed="rId5">
+            <a:extLst>
+              <a:ext uri="{28A0092B-C50C-407E-A947-70E740481C1C}">
+                <a14:useLocalDpi xmlns:a14="http://schemas.microsoft.com/office/drawing/2010/main" val="0"/>
+              </a:ext>
+            </a:extLst>
+          </a:blip>
+          <a:srcRect/>
+          <a:stretch>
+            <a:fillRect/>
+          </a:stretch>
+        </p:blipFill>
+        <p:spPr bwMode="auto">
+          <a:xfrm>
+            <a:off x="622942" y="5949280"/>
+            <a:ext cx="7261426" cy="720080"/>
+          </a:xfrm>
+          <a:prstGeom prst="rect">
+            <a:avLst/>
+          </a:prstGeom>
+          <a:noFill/>
+          <a:ln>
+            <a:noFill/>
+          </a:ln>
+          <a:extLst>
+            <a:ext uri="{909E8E84-426E-40DD-AFC4-6F175D3DCCD1}">
+              <a14:hiddenFill xmlns:a14="http://schemas.microsoft.com/office/drawing/2010/main">
+                <a:solidFill>
+                  <a:schemeClr val="accent1"/>
+                </a:solidFill>
+              </a14:hiddenFill>
+            </a:ext>
+            <a:ext uri="{91240B29-F687-4F45-9708-019B960494DF}">
+              <a14:hiddenLine xmlns:a14="http://schemas.microsoft.com/office/drawing/2010/main" w="9525">
+                <a:solidFill>
+                  <a:schemeClr val="tx1"/>
+                </a:solidFill>
+                <a:miter lim="800000"/>
+                <a:headEnd/>
+                <a:tailEnd/>
+              </a14:hiddenLine>
+            </a:ext>
+          </a:extLst>
+        </p:spPr>
+      </p:pic>
     </p:spTree>
     <p:extLst>
       <p:ext uri="{BB962C8B-B14F-4D97-AF65-F5344CB8AC3E}">
-        <p14:creationId xmlns:p14="http://schemas.microsoft.com/office/powerpoint/2010/main" val="3948500966"/>
+        <p14:creationId xmlns:p14="http://schemas.microsoft.com/office/powerpoint/2010/main" val="1911011511"/>
       </p:ext>
     </p:extLst>
   </p:cSld>
@@ -5351,116 +5392,52 @@
           <a:bodyPr/>
           <a:lstStyle/>
           <a:p>
-            <a:pPr marL="64008" indent="0">
-              <a:buNone/>
-            </a:pPr>
-            <a:r>
-              <a:rPr lang="id-ID" dirty="0" smtClean="0"/>
-              <a:t>Operator Aritmatika</a:t>
-            </a:r>
-          </a:p>
-          <a:p>
-            <a:r>
-              <a:rPr lang="id-ID" dirty="0" smtClean="0"/>
-              <a:t>Pangkat (**)</a:t>
-            </a:r>
-          </a:p>
-          <a:p>
-            <a:r>
-              <a:rPr lang="id-ID" dirty="0" smtClean="0"/>
-              <a:t>Perkalian (*)</a:t>
-            </a:r>
-          </a:p>
-          <a:p>
-            <a:r>
-              <a:rPr lang="id-ID" dirty="0" smtClean="0"/>
-              <a:t>Pembagian (/)</a:t>
-            </a:r>
-          </a:p>
-          <a:p>
-            <a:r>
-              <a:rPr lang="id-ID" dirty="0" smtClean="0"/>
-              <a:t>Sisa hasil bagi (%)</a:t>
-            </a:r>
-          </a:p>
-          <a:p>
-            <a:r>
-              <a:rPr lang="id-ID" dirty="0" smtClean="0"/>
-              <a:t>Penjumlahan (+)</a:t>
-            </a:r>
-          </a:p>
-          <a:p>
-            <a:r>
-              <a:rPr lang="id-ID" dirty="0" smtClean="0"/>
-              <a:t>Pengurangan (-)</a:t>
-            </a:r>
-          </a:p>
-          <a:p>
+            <a:r>
+              <a:rPr lang="id-ID" dirty="0" smtClean="0"/>
+              <a:t>Operator Aritmatika(Arithmethic)</a:t>
+            </a:r>
+          </a:p>
+          <a:p>
+            <a:r>
+              <a:rPr lang="id-ID" dirty="0" smtClean="0"/>
+              <a:t>Operator Perbandingan(Comparisson)</a:t>
+            </a:r>
+          </a:p>
+          <a:p>
+            <a:r>
+              <a:rPr lang="id-ID" dirty="0" smtClean="0"/>
+              <a:t>Operator Penugasan(Assignment)</a:t>
+            </a:r>
+          </a:p>
+          <a:p>
+            <a:r>
+              <a:rPr lang="id-ID" dirty="0" smtClean="0"/>
+              <a:t>Operator Logika(Logical)</a:t>
+            </a:r>
+          </a:p>
+          <a:p>
+            <a:r>
+              <a:rPr lang="id-ID" dirty="0" smtClean="0"/>
+              <a:t>Operator Bitwise(Bitwise)</a:t>
+            </a:r>
+          </a:p>
+          <a:p>
+            <a:r>
+              <a:rPr lang="id-ID" dirty="0" smtClean="0"/>
+              <a:t>Operator Keanggotaan(Memebership</a:t>
+            </a:r>
+            <a:r>
+              <a:rPr lang="id-ID" dirty="0" smtClean="0"/>
+              <a:t>)</a:t>
+            </a:r>
             <a:endParaRPr lang="id-ID" dirty="0" smtClean="0"/>
           </a:p>
-          <a:p>
-            <a:endParaRPr lang="id-ID" dirty="0"/>
-          </a:p>
-        </p:txBody>
-      </p:sp>
-      <p:pic>
-        <p:nvPicPr>
-          <p:cNvPr id="12290" name="Picture 2"/>
-          <p:cNvPicPr>
-            <a:picLocks noChangeAspect="1" noChangeArrowheads="1"/>
-          </p:cNvPicPr>
-          <p:nvPr/>
-        </p:nvPicPr>
-        <p:blipFill>
-          <a:blip r:embed="rId2">
-            <a:extLst>
-              <a:ext uri="{28A0092B-C50C-407E-A947-70E740481C1C}">
-                <a14:useLocalDpi xmlns:a14="http://schemas.microsoft.com/office/drawing/2010/main" val="0"/>
-              </a:ext>
-            </a:extLst>
-          </a:blip>
-          <a:srcRect/>
-          <a:stretch>
-            <a:fillRect/>
-          </a:stretch>
-        </p:blipFill>
-        <p:spPr bwMode="auto">
-          <a:xfrm>
-            <a:off x="5004048" y="1988840"/>
-            <a:ext cx="2880320" cy="4104456"/>
-          </a:xfrm>
-          <a:prstGeom prst="rect">
-            <a:avLst/>
-          </a:prstGeom>
-          <a:noFill/>
-          <a:ln>
-            <a:noFill/>
-          </a:ln>
-          <a:extLst>
-            <a:ext uri="{909E8E84-426E-40DD-AFC4-6F175D3DCCD1}">
-              <a14:hiddenFill xmlns:a14="http://schemas.microsoft.com/office/drawing/2010/main">
-                <a:solidFill>
-                  <a:schemeClr val="accent1"/>
-                </a:solidFill>
-              </a14:hiddenFill>
-            </a:ext>
-            <a:ext uri="{91240B29-F687-4F45-9708-019B960494DF}">
-              <a14:hiddenLine xmlns:a14="http://schemas.microsoft.com/office/drawing/2010/main" w="9525">
-                <a:solidFill>
-                  <a:schemeClr val="tx1"/>
-                </a:solidFill>
-                <a:miter lim="800000"/>
-                <a:headEnd/>
-                <a:tailEnd/>
-              </a14:hiddenLine>
-            </a:ext>
-          </a:extLst>
-        </p:spPr>
-      </p:pic>
+        </p:txBody>
+      </p:sp>
     </p:spTree>
     <p:extLst>
       <p:ext uri="{BB962C8B-B14F-4D97-AF65-F5344CB8AC3E}">
-        <p14:creationId xmlns:p14="http://schemas.microsoft.com/office/powerpoint/2010/main" val="3142576180"/>
+        <p14:creationId xmlns:p14="http://schemas.microsoft.com/office/powerpoint/2010/main" val="3948500966"/>
       </p:ext>
     </p:extLst>
   </p:cSld>
@@ -5622,9 +5599,7 @@
         </p:nvSpPr>
         <p:spPr/>
         <p:txBody>
-          <a:bodyPr>
-            <a:normAutofit fontScale="92500" lnSpcReduction="20000"/>
-          </a:bodyPr>
+          <a:bodyPr/>
           <a:lstStyle/>
           <a:p>
             <a:pPr marL="64008" indent="0">
@@ -5632,95 +5607,56 @@
             </a:pPr>
             <a:r>
               <a:rPr lang="id-ID" dirty="0" smtClean="0"/>
-              <a:t>Operator Perbandingan</a:t>
-            </a:r>
-          </a:p>
-          <a:p>
-            <a:r>
-              <a:rPr lang="id-ID" dirty="0" smtClean="0"/>
-              <a:t>Sama dengan (==)</a:t>
-            </a:r>
-          </a:p>
-          <a:p>
-            <a:r>
-              <a:rPr lang="id-ID" dirty="0" smtClean="0"/>
-              <a:t>Tidak sama dengan </a:t>
-            </a:r>
-          </a:p>
-          <a:p>
-            <a:pPr marL="64008" indent="0">
-              <a:buNone/>
-            </a:pPr>
-            <a:r>
-              <a:rPr lang="id-ID" dirty="0"/>
-              <a:t> </a:t>
-            </a:r>
-            <a:r>
-              <a:rPr lang="id-ID" dirty="0" smtClean="0"/>
-              <a:t>   (!= atau &lt;&gt;)</a:t>
-            </a:r>
-          </a:p>
-          <a:p>
-            <a:r>
-              <a:rPr lang="id-ID" dirty="0" smtClean="0"/>
-              <a:t>Lebih besar dari (&gt;)</a:t>
-            </a:r>
-          </a:p>
-          <a:p>
-            <a:r>
-              <a:rPr lang="id-ID" dirty="0" smtClean="0"/>
-              <a:t>Lebih kecil dari (&lt;)</a:t>
-            </a:r>
-          </a:p>
-          <a:p>
-            <a:r>
-              <a:rPr lang="id-ID" dirty="0" smtClean="0"/>
-              <a:t>Lebih besar sama </a:t>
-            </a:r>
-          </a:p>
-          <a:p>
-            <a:pPr marL="64008" indent="0">
-              <a:buNone/>
-            </a:pPr>
-            <a:r>
-              <a:rPr lang="id-ID" dirty="0"/>
-              <a:t> </a:t>
-            </a:r>
-            <a:r>
-              <a:rPr lang="id-ID" dirty="0" smtClean="0"/>
-              <a:t>   dengan (&gt;=)</a:t>
-            </a:r>
-          </a:p>
-          <a:p>
-            <a:r>
-              <a:rPr lang="id-ID" dirty="0" smtClean="0"/>
-              <a:t>Lebih kecil sama </a:t>
-            </a:r>
-          </a:p>
-          <a:p>
-            <a:pPr marL="64008" indent="0">
-              <a:buNone/>
-            </a:pPr>
-            <a:r>
-              <a:rPr lang="id-ID" dirty="0"/>
-              <a:t> </a:t>
-            </a:r>
-            <a:r>
-              <a:rPr lang="id-ID" dirty="0" smtClean="0"/>
-              <a:t>  dengan (&lt;=)</a:t>
-            </a:r>
-          </a:p>
-          <a:p>
-            <a:pPr marL="64008" indent="0">
-              <a:buNone/>
-            </a:pPr>
+              <a:t>Operator Aritmatika</a:t>
+            </a:r>
+          </a:p>
+          <a:p>
+            <a:r>
+              <a:rPr lang="id-ID" dirty="0" smtClean="0"/>
+              <a:t>Pangkat (**)</a:t>
+            </a:r>
+          </a:p>
+          <a:p>
+            <a:r>
+              <a:rPr lang="id-ID" dirty="0" smtClean="0"/>
+              <a:t>Perkalian (*)</a:t>
+            </a:r>
+          </a:p>
+          <a:p>
+            <a:r>
+              <a:rPr lang="id-ID" dirty="0" smtClean="0"/>
+              <a:t>Pembagian (/)</a:t>
+            </a:r>
+          </a:p>
+          <a:p>
+            <a:r>
+              <a:rPr lang="id-ID" dirty="0" smtClean="0"/>
+              <a:t>Sisa hasil bagi (%)</a:t>
+            </a:r>
+          </a:p>
+          <a:p>
+            <a:r>
+              <a:rPr lang="id-ID" dirty="0" smtClean="0"/>
+              <a:t>Penjumlahan (+)</a:t>
+            </a:r>
+          </a:p>
+          <a:p>
+            <a:r>
+              <a:rPr lang="id-ID" dirty="0" smtClean="0"/>
+              <a:t>Pengurangan (-)</a:t>
+            </a:r>
+          </a:p>
+          <a:p>
+            <a:endParaRPr lang="id-ID" dirty="0" smtClean="0"/>
+          </a:p>
+          <a:p>
             <a:endParaRPr lang="id-ID" dirty="0"/>
           </a:p>
         </p:txBody>
       </p:sp>
       <p:pic>
         <p:nvPicPr>
-          <p:cNvPr id="13314" name="Picture 2"/>
+          <p:cNvPr id="12290" name="Picture 2"/>
           <p:cNvPicPr>
             <a:picLocks noChangeAspect="1" noChangeArrowheads="1"/>
           </p:cNvPicPr>
@@ -5741,8 +5677,8 @@
         </p:blipFill>
         <p:spPr bwMode="auto">
           <a:xfrm>
-            <a:off x="6084168" y="1988840"/>
-            <a:ext cx="2808312" cy="1368152"/>
+            <a:off x="5004048" y="1988840"/>
+            <a:ext cx="2880320" cy="4104456"/>
           </a:xfrm>
           <a:prstGeom prst="rect">
             <a:avLst/>
@@ -5772,64 +5708,10 @@
           </a:extLst>
         </p:spPr>
       </p:pic>
-      <p:pic>
-        <p:nvPicPr>
-          <p:cNvPr id="13315" name="Picture 3"/>
-          <p:cNvPicPr>
-            <a:picLocks noChangeAspect="1" noChangeArrowheads="1"/>
-          </p:cNvPicPr>
-          <p:nvPr/>
-        </p:nvPicPr>
-        <p:blipFill>
-          <a:blip r:embed="rId3">
-            <a:extLst>
-              <a:ext uri="{28A0092B-C50C-407E-A947-70E740481C1C}">
-                <a14:useLocalDpi xmlns:a14="http://schemas.microsoft.com/office/drawing/2010/main" val="0"/>
-              </a:ext>
-            </a:extLst>
-          </a:blip>
-          <a:srcRect/>
-          <a:stretch>
-            <a:fillRect/>
-          </a:stretch>
-        </p:blipFill>
-        <p:spPr bwMode="auto">
-          <a:xfrm>
-            <a:off x="6101744" y="3374302"/>
-            <a:ext cx="2790736" cy="2325960"/>
-          </a:xfrm>
-          <a:prstGeom prst="rect">
-            <a:avLst/>
-          </a:prstGeom>
-          <a:noFill/>
-          <a:ln>
-            <a:noFill/>
-          </a:ln>
-          <a:extLst>
-            <a:ext uri="{909E8E84-426E-40DD-AFC4-6F175D3DCCD1}">
-              <a14:hiddenFill xmlns:a14="http://schemas.microsoft.com/office/drawing/2010/main">
-                <a:solidFill>
-                  <a:schemeClr val="accent1"/>
-                </a:solidFill>
-              </a14:hiddenFill>
-            </a:ext>
-            <a:ext uri="{91240B29-F687-4F45-9708-019B960494DF}">
-              <a14:hiddenLine xmlns:a14="http://schemas.microsoft.com/office/drawing/2010/main" w="9525">
-                <a:solidFill>
-                  <a:schemeClr val="tx1"/>
-                </a:solidFill>
-                <a:miter lim="800000"/>
-                <a:headEnd/>
-                <a:tailEnd/>
-              </a14:hiddenLine>
-            </a:ext>
-          </a:extLst>
-        </p:spPr>
-      </p:pic>
     </p:spTree>
     <p:extLst>
       <p:ext uri="{BB962C8B-B14F-4D97-AF65-F5344CB8AC3E}">
-        <p14:creationId xmlns:p14="http://schemas.microsoft.com/office/powerpoint/2010/main" val="3738350876"/>
+        <p14:creationId xmlns:p14="http://schemas.microsoft.com/office/powerpoint/2010/main" val="3142576180"/>
       </p:ext>
     </p:extLst>
   </p:cSld>
@@ -5899,7 +5781,7 @@
         <p:spPr/>
         <p:txBody>
           <a:bodyPr>
-            <a:normAutofit lnSpcReduction="10000"/>
+            <a:normAutofit fontScale="92500" lnSpcReduction="20000"/>
           </a:bodyPr>
           <a:lstStyle/>
           <a:p>
@@ -5908,62 +5790,95 @@
             </a:pPr>
             <a:r>
               <a:rPr lang="id-ID" dirty="0" smtClean="0"/>
-              <a:t>Operator Penugasan</a:t>
-            </a:r>
-          </a:p>
-          <a:p>
-            <a:r>
-              <a:rPr lang="id-ID" dirty="0" smtClean="0"/>
-              <a:t>= </a:t>
-            </a:r>
-          </a:p>
-          <a:p>
-            <a:r>
-              <a:rPr lang="id-ID" dirty="0" smtClean="0"/>
-              <a:t>+= </a:t>
-            </a:r>
-          </a:p>
-          <a:p>
-            <a:r>
-              <a:rPr lang="id-ID" dirty="0" smtClean="0"/>
-              <a:t>-= </a:t>
-            </a:r>
-          </a:p>
-          <a:p>
-            <a:r>
-              <a:rPr lang="id-ID" dirty="0" smtClean="0"/>
-              <a:t>*= </a:t>
-            </a:r>
-          </a:p>
-          <a:p>
-            <a:r>
-              <a:rPr lang="id-ID" dirty="0" smtClean="0"/>
-              <a:t>/= </a:t>
-            </a:r>
-          </a:p>
-          <a:p>
-            <a:r>
-              <a:rPr lang="id-ID" dirty="0" smtClean="0"/>
-              <a:t>%=</a:t>
-            </a:r>
-          </a:p>
-          <a:p>
-            <a:r>
-              <a:rPr lang="id-ID" dirty="0" smtClean="0"/>
-              <a:t>**=</a:t>
-            </a:r>
-          </a:p>
-          <a:p>
-            <a:r>
-              <a:rPr lang="id-ID" dirty="0" smtClean="0"/>
-              <a:t>//=</a:t>
-            </a:r>
+              <a:t>Operator Perbandingan</a:t>
+            </a:r>
+          </a:p>
+          <a:p>
+            <a:r>
+              <a:rPr lang="id-ID" dirty="0" smtClean="0"/>
+              <a:t>Sama dengan (==)</a:t>
+            </a:r>
+          </a:p>
+          <a:p>
+            <a:r>
+              <a:rPr lang="id-ID" dirty="0" smtClean="0"/>
+              <a:t>Tidak sama dengan </a:t>
+            </a:r>
+          </a:p>
+          <a:p>
+            <a:pPr marL="64008" indent="0">
+              <a:buNone/>
+            </a:pPr>
+            <a:r>
+              <a:rPr lang="id-ID" dirty="0"/>
+              <a:t> </a:t>
+            </a:r>
+            <a:r>
+              <a:rPr lang="id-ID" dirty="0" smtClean="0"/>
+              <a:t>   (!= atau &lt;&gt;)</a:t>
+            </a:r>
+          </a:p>
+          <a:p>
+            <a:r>
+              <a:rPr lang="id-ID" dirty="0" smtClean="0"/>
+              <a:t>Lebih besar dari (&gt;)</a:t>
+            </a:r>
+          </a:p>
+          <a:p>
+            <a:r>
+              <a:rPr lang="id-ID" dirty="0" smtClean="0"/>
+              <a:t>Lebih kecil dari (&lt;)</a:t>
+            </a:r>
+          </a:p>
+          <a:p>
+            <a:r>
+              <a:rPr lang="id-ID" dirty="0" smtClean="0"/>
+              <a:t>Lebih besar sama </a:t>
+            </a:r>
+          </a:p>
+          <a:p>
+            <a:pPr marL="64008" indent="0">
+              <a:buNone/>
+            </a:pPr>
+            <a:r>
+              <a:rPr lang="id-ID" dirty="0"/>
+              <a:t> </a:t>
+            </a:r>
+            <a:r>
+              <a:rPr lang="id-ID" dirty="0" smtClean="0"/>
+              <a:t>   dengan (&gt;=)</a:t>
+            </a:r>
+          </a:p>
+          <a:p>
+            <a:r>
+              <a:rPr lang="id-ID" dirty="0" smtClean="0"/>
+              <a:t>Lebih kecil sama </a:t>
+            </a:r>
+          </a:p>
+          <a:p>
+            <a:pPr marL="64008" indent="0">
+              <a:buNone/>
+            </a:pPr>
+            <a:r>
+              <a:rPr lang="id-ID" dirty="0"/>
+              <a:t> </a:t>
+            </a:r>
+            <a:r>
+              <a:rPr lang="id-ID" dirty="0" smtClean="0"/>
+              <a:t>  dengan (&lt;=)</a:t>
+            </a:r>
+          </a:p>
+          <a:p>
+            <a:pPr marL="64008" indent="0">
+              <a:buNone/>
+            </a:pPr>
+            <a:endParaRPr lang="id-ID" dirty="0"/>
           </a:p>
         </p:txBody>
       </p:sp>
       <p:pic>
         <p:nvPicPr>
-          <p:cNvPr id="14338" name="Picture 2"/>
+          <p:cNvPr id="13314" name="Picture 2"/>
           <p:cNvPicPr>
             <a:picLocks noChangeAspect="1" noChangeArrowheads="1"/>
           </p:cNvPicPr>
@@ -5984,8 +5899,8 @@
         </p:blipFill>
         <p:spPr bwMode="auto">
           <a:xfrm>
-            <a:off x="5940152" y="260648"/>
-            <a:ext cx="2592288" cy="4248775"/>
+            <a:off x="6084168" y="1988840"/>
+            <a:ext cx="2808312" cy="1368152"/>
           </a:xfrm>
           <a:prstGeom prst="rect">
             <a:avLst/>
@@ -6017,7 +5932,7 @@
       </p:pic>
       <p:pic>
         <p:nvPicPr>
-          <p:cNvPr id="14339" name="Picture 3"/>
+          <p:cNvPr id="13315" name="Picture 3"/>
           <p:cNvPicPr>
             <a:picLocks noChangeAspect="1" noChangeArrowheads="1"/>
           </p:cNvPicPr>
@@ -6038,8 +5953,8 @@
         </p:blipFill>
         <p:spPr bwMode="auto">
           <a:xfrm>
-            <a:off x="5926211" y="4509422"/>
-            <a:ext cx="2576986" cy="2348577"/>
+            <a:off x="6101744" y="3374302"/>
+            <a:ext cx="2790736" cy="2325960"/>
           </a:xfrm>
           <a:prstGeom prst="rect">
             <a:avLst/>
@@ -6072,7 +5987,7 @@
     </p:spTree>
     <p:extLst>
       <p:ext uri="{BB962C8B-B14F-4D97-AF65-F5344CB8AC3E}">
-        <p14:creationId xmlns:p14="http://schemas.microsoft.com/office/powerpoint/2010/main" val="4239530499"/>
+        <p14:creationId xmlns:p14="http://schemas.microsoft.com/office/powerpoint/2010/main" val="3738350876"/>
       </p:ext>
     </p:extLst>
   </p:cSld>
@@ -6141,7 +6056,9 @@
         </p:nvSpPr>
         <p:spPr/>
         <p:txBody>
-          <a:bodyPr/>
+          <a:bodyPr>
+            <a:normAutofit lnSpcReduction="10000"/>
+          </a:bodyPr>
           <a:lstStyle/>
           <a:p>
             <a:pPr marL="64008" indent="0">
@@ -6149,33 +6066,62 @@
             </a:pPr>
             <a:r>
               <a:rPr lang="id-ID" dirty="0" smtClean="0"/>
-              <a:t>Operator Logika</a:t>
-            </a:r>
-          </a:p>
-          <a:p>
-            <a:r>
-              <a:rPr lang="id-ID" dirty="0" smtClean="0"/>
-              <a:t>AND</a:t>
-            </a:r>
-          </a:p>
-          <a:p>
-            <a:r>
-              <a:rPr lang="id-ID" dirty="0" smtClean="0"/>
-              <a:t>OR</a:t>
-            </a:r>
-          </a:p>
-          <a:p>
-            <a:r>
-              <a:rPr lang="id-ID" dirty="0" smtClean="0"/>
-              <a:t>NOT</a:t>
-            </a:r>
-            <a:endParaRPr lang="id-ID" dirty="0"/>
+              <a:t>Operator Penugasan</a:t>
+            </a:r>
+          </a:p>
+          <a:p>
+            <a:r>
+              <a:rPr lang="id-ID" dirty="0" smtClean="0"/>
+              <a:t>= </a:t>
+            </a:r>
+          </a:p>
+          <a:p>
+            <a:r>
+              <a:rPr lang="id-ID" dirty="0" smtClean="0"/>
+              <a:t>+= </a:t>
+            </a:r>
+          </a:p>
+          <a:p>
+            <a:r>
+              <a:rPr lang="id-ID" dirty="0" smtClean="0"/>
+              <a:t>-= </a:t>
+            </a:r>
+          </a:p>
+          <a:p>
+            <a:r>
+              <a:rPr lang="id-ID" dirty="0" smtClean="0"/>
+              <a:t>*= </a:t>
+            </a:r>
+          </a:p>
+          <a:p>
+            <a:r>
+              <a:rPr lang="id-ID" dirty="0" smtClean="0"/>
+              <a:t>/= </a:t>
+            </a:r>
+          </a:p>
+          <a:p>
+            <a:r>
+              <a:rPr lang="id-ID" dirty="0" smtClean="0"/>
+              <a:t>%=</a:t>
+            </a:r>
+          </a:p>
+          <a:p>
+            <a:r>
+              <a:rPr lang="id-ID" dirty="0" smtClean="0"/>
+              <a:t>**=</a:t>
+            </a:r>
+          </a:p>
+          <a:p>
+            <a:r>
+              <a:rPr lang="id-ID" dirty="0" smtClean="0"/>
+              <a:t>//=</a:t>
+            </a:r>
           </a:p>
         </p:txBody>
       </p:sp>
       <p:pic>
         <p:nvPicPr>
-          <p:cNvPr id="15362" name="Picture 2"/>
+          <p:cNvPr id="14338" name="Picture 2"/>
           <p:cNvPicPr>
             <a:picLocks noChangeAspect="1" noChangeArrowheads="1"/>
           </p:cNvPicPr>
@@ -6196,8 +6142,8 @@
         </p:blipFill>
         <p:spPr bwMode="auto">
           <a:xfrm>
-            <a:off x="5621096" y="1988840"/>
-            <a:ext cx="2119256" cy="1728192"/>
+            <a:off x="5940152" y="260648"/>
+            <a:ext cx="2592288" cy="4248775"/>
           </a:xfrm>
           <a:prstGeom prst="rect">
             <a:avLst/>
@@ -6229,7 +6175,7 @@
       </p:pic>
       <p:pic>
         <p:nvPicPr>
-          <p:cNvPr id="15363" name="Picture 3"/>
+          <p:cNvPr id="14339" name="Picture 3"/>
           <p:cNvPicPr>
             <a:picLocks noChangeAspect="1" noChangeArrowheads="1"/>
           </p:cNvPicPr>
@@ -6250,8 +6196,8 @@
         </p:blipFill>
         <p:spPr bwMode="auto">
           <a:xfrm>
-            <a:off x="5621096" y="3687523"/>
-            <a:ext cx="2119256" cy="2304256"/>
+            <a:off x="5926211" y="4509422"/>
+            <a:ext cx="2576986" cy="2348577"/>
           </a:xfrm>
           <a:prstGeom prst="rect">
             <a:avLst/>
@@ -6284,7 +6230,7 @@
     </p:spTree>
     <p:extLst>
       <p:ext uri="{BB962C8B-B14F-4D97-AF65-F5344CB8AC3E}">
-        <p14:creationId xmlns:p14="http://schemas.microsoft.com/office/powerpoint/2010/main" val="1743331211"/>
+        <p14:creationId xmlns:p14="http://schemas.microsoft.com/office/powerpoint/2010/main" val="4239530499"/>
       </p:ext>
     </p:extLst>
   </p:cSld>
@@ -6361,51 +6307,33 @@
             </a:pPr>
             <a:r>
               <a:rPr lang="id-ID" dirty="0" smtClean="0"/>
-              <a:t>Operator Bitwise</a:t>
-            </a:r>
-          </a:p>
-          <a:p>
-            <a:pPr marL="64008" indent="0">
-              <a:buNone/>
-            </a:pPr>
-            <a:r>
-              <a:rPr lang="id-ID" dirty="0"/>
-              <a:t>operator untuk melakukan operasi berdasarkan bit/biner</a:t>
-            </a:r>
-            <a:r>
-              <a:rPr lang="id-ID" dirty="0" smtClean="0"/>
-              <a:t>.</a:t>
-            </a:r>
-          </a:p>
-          <a:p>
-            <a:r>
-              <a:rPr lang="id-ID" dirty="0" smtClean="0"/>
-              <a:t>AND(&amp;)</a:t>
-            </a:r>
-          </a:p>
-          <a:p>
-            <a:r>
-              <a:rPr lang="id-ID" dirty="0" smtClean="0"/>
-              <a:t>OR(|)</a:t>
-            </a:r>
-          </a:p>
-          <a:p>
-            <a:r>
-              <a:rPr lang="id-ID" dirty="0" smtClean="0"/>
-              <a:t>XOR(^)</a:t>
-            </a:r>
-          </a:p>
-          <a:p>
-            <a:pPr marL="64008" indent="0">
-              <a:buNone/>
-            </a:pPr>
+              <a:t>Operator Logika</a:t>
+            </a:r>
+          </a:p>
+          <a:p>
+            <a:r>
+              <a:rPr lang="id-ID" dirty="0" smtClean="0"/>
+              <a:t>AND</a:t>
+            </a:r>
+          </a:p>
+          <a:p>
+            <a:r>
+              <a:rPr lang="id-ID" dirty="0" smtClean="0"/>
+              <a:t>OR</a:t>
+            </a:r>
+          </a:p>
+          <a:p>
+            <a:r>
+              <a:rPr lang="id-ID" dirty="0" smtClean="0"/>
+              <a:t>NOT</a:t>
+            </a:r>
             <a:endParaRPr lang="id-ID" dirty="0"/>
           </a:p>
         </p:txBody>
       </p:sp>
       <p:pic>
         <p:nvPicPr>
-          <p:cNvPr id="17410" name="Picture 2"/>
+          <p:cNvPr id="15362" name="Picture 2"/>
           <p:cNvPicPr>
             <a:picLocks noChangeAspect="1" noChangeArrowheads="1"/>
           </p:cNvPicPr>
@@ -6426,8 +6354,8 @@
         </p:blipFill>
         <p:spPr bwMode="auto">
           <a:xfrm>
-            <a:off x="5129213" y="2996952"/>
-            <a:ext cx="2971179" cy="3024336"/>
+            <a:off x="5621096" y="1988840"/>
+            <a:ext cx="2119256" cy="1728192"/>
           </a:xfrm>
           <a:prstGeom prst="rect">
             <a:avLst/>
@@ -6457,10 +6385,64 @@
           </a:extLst>
         </p:spPr>
       </p:pic>
+      <p:pic>
+        <p:nvPicPr>
+          <p:cNvPr id="15363" name="Picture 3"/>
+          <p:cNvPicPr>
+            <a:picLocks noChangeAspect="1" noChangeArrowheads="1"/>
+          </p:cNvPicPr>
+          <p:nvPr/>
+        </p:nvPicPr>
+        <p:blipFill>
+          <a:blip r:embed="rId3">
+            <a:extLst>
+              <a:ext uri="{28A0092B-C50C-407E-A947-70E740481C1C}">
+                <a14:useLocalDpi xmlns:a14="http://schemas.microsoft.com/office/drawing/2010/main" val="0"/>
+              </a:ext>
+            </a:extLst>
+          </a:blip>
+          <a:srcRect/>
+          <a:stretch>
+            <a:fillRect/>
+          </a:stretch>
+        </p:blipFill>
+        <p:spPr bwMode="auto">
+          <a:xfrm>
+            <a:off x="5621096" y="3687523"/>
+            <a:ext cx="2119256" cy="2304256"/>
+          </a:xfrm>
+          <a:prstGeom prst="rect">
+            <a:avLst/>
+          </a:prstGeom>
+          <a:noFill/>
+          <a:ln>
+            <a:noFill/>
+          </a:ln>
+          <a:extLst>
+            <a:ext uri="{909E8E84-426E-40DD-AFC4-6F175D3DCCD1}">
+              <a14:hiddenFill xmlns:a14="http://schemas.microsoft.com/office/drawing/2010/main">
+                <a:solidFill>
+                  <a:schemeClr val="accent1"/>
+                </a:solidFill>
+              </a14:hiddenFill>
+            </a:ext>
+            <a:ext uri="{91240B29-F687-4F45-9708-019B960494DF}">
+              <a14:hiddenLine xmlns:a14="http://schemas.microsoft.com/office/drawing/2010/main" w="9525">
+                <a:solidFill>
+                  <a:schemeClr val="tx1"/>
+                </a:solidFill>
+                <a:miter lim="800000"/>
+                <a:headEnd/>
+                <a:tailEnd/>
+              </a14:hiddenLine>
+            </a:ext>
+          </a:extLst>
+        </p:spPr>
+      </p:pic>
     </p:spTree>
     <p:extLst>
       <p:ext uri="{BB962C8B-B14F-4D97-AF65-F5344CB8AC3E}">
-        <p14:creationId xmlns:p14="http://schemas.microsoft.com/office/powerpoint/2010/main" val="1706160035"/>
+        <p14:creationId xmlns:p14="http://schemas.microsoft.com/office/powerpoint/2010/main" val="1743331211"/>
       </p:ext>
     </p:extLst>
   </p:cSld>
@@ -6537,27 +6519,51 @@
             </a:pPr>
             <a:r>
               <a:rPr lang="id-ID" dirty="0" smtClean="0"/>
-              <a:t>Operator Membership</a:t>
-            </a:r>
-          </a:p>
-          <a:p>
-            <a:r>
-              <a:rPr lang="id-ID" dirty="0" smtClean="0"/>
-              <a:t>In</a:t>
-            </a:r>
-          </a:p>
-          <a:p>
-            <a:r>
-              <a:rPr lang="id-ID" dirty="0" smtClean="0"/>
-              <a:t>Not In</a:t>
-            </a:r>
+              <a:t>Operator Bitwise</a:t>
+            </a:r>
+          </a:p>
+          <a:p>
+            <a:pPr marL="64008" indent="0">
+              <a:buNone/>
+            </a:pPr>
+            <a:r>
+              <a:rPr lang="id-ID" dirty="0"/>
+              <a:t>operator untuk melakukan operasi berdasarkan bit/biner</a:t>
+            </a:r>
+            <a:r>
+              <a:rPr lang="id-ID" dirty="0" smtClean="0"/>
+              <a:t>.</a:t>
+            </a:r>
+          </a:p>
+          <a:p>
+            <a:r>
+              <a:rPr lang="id-ID" dirty="0" smtClean="0"/>
+              <a:t>AND(&amp;)</a:t>
+            </a:r>
+          </a:p>
+          <a:p>
+            <a:r>
+              <a:rPr lang="id-ID" dirty="0" smtClean="0"/>
+              <a:t>OR(|)</a:t>
+            </a:r>
+          </a:p>
+          <a:p>
+            <a:r>
+              <a:rPr lang="id-ID" dirty="0" smtClean="0"/>
+              <a:t>XOR(^)</a:t>
+            </a:r>
+          </a:p>
+          <a:p>
+            <a:pPr marL="64008" indent="0">
+              <a:buNone/>
+            </a:pPr>
             <a:endParaRPr lang="id-ID" dirty="0"/>
           </a:p>
         </p:txBody>
       </p:sp>
       <p:pic>
         <p:nvPicPr>
-          <p:cNvPr id="16386" name="Picture 2"/>
+          <p:cNvPr id="17410" name="Picture 2"/>
           <p:cNvPicPr>
             <a:picLocks noChangeAspect="1" noChangeArrowheads="1"/>
           </p:cNvPicPr>
@@ -6578,8 +6584,8 @@
         </p:blipFill>
         <p:spPr bwMode="auto">
           <a:xfrm>
-            <a:off x="4860032" y="1988840"/>
-            <a:ext cx="3024336" cy="4176464"/>
+            <a:off x="5129213" y="2996952"/>
+            <a:ext cx="2971179" cy="3024336"/>
           </a:xfrm>
           <a:prstGeom prst="rect">
             <a:avLst/>
@@ -6612,7 +6618,7 @@
     </p:spTree>
     <p:extLst>
       <p:ext uri="{BB962C8B-B14F-4D97-AF65-F5344CB8AC3E}">
-        <p14:creationId xmlns:p14="http://schemas.microsoft.com/office/powerpoint/2010/main" val="4269959278"/>
+        <p14:creationId xmlns:p14="http://schemas.microsoft.com/office/powerpoint/2010/main" val="1706160035"/>
       </p:ext>
     </p:extLst>
   </p:cSld>
@@ -6663,7 +6669,7 @@
           <a:p>
             <a:r>
               <a:rPr lang="id-ID" dirty="0" smtClean="0"/>
-              <a:t>Percabangan Python</a:t>
+              <a:t>Operator Python</a:t>
             </a:r>
             <a:endParaRPr lang="id-ID" dirty="0"/>
           </a:p>
@@ -6684,15 +6690,24 @@
           <a:bodyPr/>
           <a:lstStyle/>
           <a:p>
-            <a:r>
-              <a:rPr lang="id-ID" dirty="0" smtClean="0"/>
-              <a:t>If else</a:t>
-            </a:r>
-          </a:p>
-          <a:p>
-            <a:r>
-              <a:rPr lang="id-ID" dirty="0" smtClean="0"/>
-              <a:t>If elseif else</a:t>
+            <a:pPr marL="64008" indent="0">
+              <a:buNone/>
+            </a:pPr>
+            <a:r>
+              <a:rPr lang="id-ID" dirty="0" smtClean="0"/>
+              <a:t>Operator Membership</a:t>
+            </a:r>
+          </a:p>
+          <a:p>
+            <a:r>
+              <a:rPr lang="id-ID" dirty="0" smtClean="0"/>
+              <a:t>In</a:t>
+            </a:r>
+          </a:p>
+          <a:p>
+            <a:r>
+              <a:rPr lang="id-ID" dirty="0" smtClean="0"/>
+              <a:t>Not In</a:t>
             </a:r>
             <a:endParaRPr lang="id-ID" dirty="0"/>
           </a:p>
@@ -6700,7 +6715,7 @@
       </p:sp>
       <p:pic>
         <p:nvPicPr>
-          <p:cNvPr id="18434" name="Picture 2"/>
+          <p:cNvPr id="16386" name="Picture 2"/>
           <p:cNvPicPr>
             <a:picLocks noChangeAspect="1" noChangeArrowheads="1"/>
           </p:cNvPicPr>
@@ -6721,8 +6736,8 @@
         </p:blipFill>
         <p:spPr bwMode="auto">
           <a:xfrm>
-            <a:off x="4427984" y="1772816"/>
-            <a:ext cx="3672408" cy="2448272"/>
+            <a:off x="4860032" y="1988840"/>
+            <a:ext cx="3024336" cy="4176464"/>
           </a:xfrm>
           <a:prstGeom prst="rect">
             <a:avLst/>
@@ -6752,64 +6767,10 @@
           </a:extLst>
         </p:spPr>
       </p:pic>
-      <p:pic>
-        <p:nvPicPr>
-          <p:cNvPr id="18435" name="Picture 3"/>
-          <p:cNvPicPr>
-            <a:picLocks noChangeAspect="1" noChangeArrowheads="1"/>
-          </p:cNvPicPr>
-          <p:nvPr/>
-        </p:nvPicPr>
-        <p:blipFill>
-          <a:blip r:embed="rId3">
-            <a:extLst>
-              <a:ext uri="{28A0092B-C50C-407E-A947-70E740481C1C}">
-                <a14:useLocalDpi xmlns:a14="http://schemas.microsoft.com/office/drawing/2010/main" val="0"/>
-              </a:ext>
-            </a:extLst>
-          </a:blip>
-          <a:srcRect/>
-          <a:stretch>
-            <a:fillRect/>
-          </a:stretch>
-        </p:blipFill>
-        <p:spPr bwMode="auto">
-          <a:xfrm>
-            <a:off x="4427984" y="4221088"/>
-            <a:ext cx="3672408" cy="864096"/>
-          </a:xfrm>
-          <a:prstGeom prst="rect">
-            <a:avLst/>
-          </a:prstGeom>
-          <a:noFill/>
-          <a:ln>
-            <a:noFill/>
-          </a:ln>
-          <a:extLst>
-            <a:ext uri="{909E8E84-426E-40DD-AFC4-6F175D3DCCD1}">
-              <a14:hiddenFill xmlns:a14="http://schemas.microsoft.com/office/drawing/2010/main">
-                <a:solidFill>
-                  <a:schemeClr val="accent1"/>
-                </a:solidFill>
-              </a14:hiddenFill>
-            </a:ext>
-            <a:ext uri="{91240B29-F687-4F45-9708-019B960494DF}">
-              <a14:hiddenLine xmlns:a14="http://schemas.microsoft.com/office/drawing/2010/main" w="9525">
-                <a:solidFill>
-                  <a:schemeClr val="tx1"/>
-                </a:solidFill>
-                <a:miter lim="800000"/>
-                <a:headEnd/>
-                <a:tailEnd/>
-              </a14:hiddenLine>
-            </a:ext>
-          </a:extLst>
-        </p:spPr>
-      </p:pic>
     </p:spTree>
     <p:extLst>
       <p:ext uri="{BB962C8B-B14F-4D97-AF65-F5344CB8AC3E}">
-        <p14:creationId xmlns:p14="http://schemas.microsoft.com/office/powerpoint/2010/main" val="2759004355"/>
+        <p14:creationId xmlns:p14="http://schemas.microsoft.com/office/powerpoint/2010/main" val="4269959278"/>
       </p:ext>
     </p:extLst>
   </p:cSld>
@@ -6860,7 +6821,7 @@
           <a:p>
             <a:r>
               <a:rPr lang="id-ID" dirty="0" smtClean="0"/>
-              <a:t>Perulangan Python</a:t>
+              <a:t>Percabangan Python</a:t>
             </a:r>
             <a:endParaRPr lang="id-ID" dirty="0"/>
           </a:p>
@@ -6883,31 +6844,21 @@
           <a:p>
             <a:r>
               <a:rPr lang="id-ID" dirty="0" smtClean="0"/>
-              <a:t>For loop			 While </a:t>
-            </a:r>
-            <a:r>
-              <a:rPr lang="id-ID" dirty="0"/>
-              <a:t>loop </a:t>
-            </a:r>
-            <a:endParaRPr lang="id-ID" dirty="0" smtClean="0"/>
-          </a:p>
-          <a:p>
+              <a:t>If else</a:t>
+            </a:r>
+          </a:p>
+          <a:p>
+            <a:r>
+              <a:rPr lang="id-ID" dirty="0" smtClean="0"/>
+              <a:t>If elseif else</a:t>
+            </a:r>
             <a:endParaRPr lang="id-ID" dirty="0"/>
-          </a:p>
-          <a:p>
-            <a:endParaRPr lang="id-ID" dirty="0" smtClean="0"/>
-          </a:p>
-          <a:p>
-            <a:pPr marL="64008" indent="0">
-              <a:buNone/>
-            </a:pPr>
-            <a:endParaRPr lang="id-ID" dirty="0" smtClean="0"/>
           </a:p>
         </p:txBody>
       </p:sp>
       <p:pic>
         <p:nvPicPr>
-          <p:cNvPr id="19458" name="Picture 2"/>
+          <p:cNvPr id="18434" name="Picture 2"/>
           <p:cNvPicPr>
             <a:picLocks noChangeAspect="1" noChangeArrowheads="1"/>
           </p:cNvPicPr>
@@ -6928,8 +6879,8 @@
         </p:blipFill>
         <p:spPr bwMode="auto">
           <a:xfrm>
-            <a:off x="683568" y="3024718"/>
-            <a:ext cx="3600400" cy="1296144"/>
+            <a:off x="4427984" y="1772816"/>
+            <a:ext cx="3672408" cy="2448272"/>
           </a:xfrm>
           <a:prstGeom prst="rect">
             <a:avLst/>
@@ -6961,7 +6912,7 @@
       </p:pic>
       <p:pic>
         <p:nvPicPr>
-          <p:cNvPr id="19459" name="Picture 3"/>
+          <p:cNvPr id="18435" name="Picture 3"/>
           <p:cNvPicPr>
             <a:picLocks noChangeAspect="1" noChangeArrowheads="1"/>
           </p:cNvPicPr>
@@ -6982,8 +6933,8 @@
         </p:blipFill>
         <p:spPr bwMode="auto">
           <a:xfrm>
-            <a:off x="683568" y="4320862"/>
-            <a:ext cx="3456384" cy="2304256"/>
+            <a:off x="4427984" y="4221088"/>
+            <a:ext cx="3672408" cy="864096"/>
           </a:xfrm>
           <a:prstGeom prst="rect">
             <a:avLst/>
@@ -7013,16 +6964,115 @@
           </a:extLst>
         </p:spPr>
       </p:pic>
+    </p:spTree>
+    <p:extLst>
+      <p:ext uri="{BB962C8B-B14F-4D97-AF65-F5344CB8AC3E}">
+        <p14:creationId xmlns:p14="http://schemas.microsoft.com/office/powerpoint/2010/main" val="2759004355"/>
+      </p:ext>
+    </p:extLst>
+  </p:cSld>
+  <p:clrMapOvr>
+    <a:masterClrMapping/>
+  </p:clrMapOvr>
+  <p:timing>
+    <p:tnLst>
+      <p:par>
+        <p:cTn id="1" dur="indefinite" restart="never" nodeType="tmRoot"/>
+      </p:par>
+    </p:tnLst>
+  </p:timing>
+</p:sld>
+</file>
+
+<file path=ppt/slides/slide27.xml><?xml version="1.0" encoding="utf-8"?>
+<p:sld xmlns:a="http://schemas.openxmlformats.org/drawingml/2006/main" xmlns:r="http://schemas.openxmlformats.org/officeDocument/2006/relationships" xmlns:p="http://schemas.openxmlformats.org/presentationml/2006/main">
+  <p:cSld>
+    <p:spTree>
+      <p:nvGrpSpPr>
+        <p:cNvPr id="1" name=""/>
+        <p:cNvGrpSpPr/>
+        <p:nvPr/>
+      </p:nvGrpSpPr>
+      <p:grpSpPr>
+        <a:xfrm>
+          <a:off x="0" y="0"/>
+          <a:ext cx="0" cy="0"/>
+          <a:chOff x="0" y="0"/>
+          <a:chExt cx="0" cy="0"/>
+        </a:xfrm>
+      </p:grpSpPr>
+      <p:sp>
+        <p:nvSpPr>
+          <p:cNvPr id="2" name="Title 1"/>
+          <p:cNvSpPr>
+            <a:spLocks noGrp="1"/>
+          </p:cNvSpPr>
+          <p:nvPr>
+            <p:ph type="title"/>
+          </p:nvPr>
+        </p:nvSpPr>
+        <p:spPr/>
+        <p:txBody>
+          <a:bodyPr/>
+          <a:lstStyle/>
+          <a:p>
+            <a:r>
+              <a:rPr lang="id-ID" dirty="0" smtClean="0"/>
+              <a:t>Perulangan Python</a:t>
+            </a:r>
+            <a:endParaRPr lang="id-ID" dirty="0"/>
+          </a:p>
+        </p:txBody>
+      </p:sp>
+      <p:sp>
+        <p:nvSpPr>
+          <p:cNvPr id="3" name="Content Placeholder 2"/>
+          <p:cNvSpPr>
+            <a:spLocks noGrp="1"/>
+          </p:cNvSpPr>
+          <p:nvPr>
+            <p:ph idx="1"/>
+          </p:nvPr>
+        </p:nvSpPr>
+        <p:spPr/>
+        <p:txBody>
+          <a:bodyPr/>
+          <a:lstStyle/>
+          <a:p>
+            <a:r>
+              <a:rPr lang="id-ID" dirty="0" smtClean="0"/>
+              <a:t>For loop			 While </a:t>
+            </a:r>
+            <a:r>
+              <a:rPr lang="id-ID" dirty="0"/>
+              <a:t>loop </a:t>
+            </a:r>
+            <a:endParaRPr lang="id-ID" dirty="0" smtClean="0"/>
+          </a:p>
+          <a:p>
+            <a:endParaRPr lang="id-ID" dirty="0"/>
+          </a:p>
+          <a:p>
+            <a:endParaRPr lang="id-ID" dirty="0" smtClean="0"/>
+          </a:p>
+          <a:p>
+            <a:pPr marL="64008" indent="0">
+              <a:buNone/>
+            </a:pPr>
+            <a:endParaRPr lang="id-ID" dirty="0" smtClean="0"/>
+          </a:p>
+        </p:txBody>
+      </p:sp>
       <p:pic>
         <p:nvPicPr>
-          <p:cNvPr id="19460" name="Picture 4"/>
+          <p:cNvPr id="19458" name="Picture 2"/>
           <p:cNvPicPr>
             <a:picLocks noChangeAspect="1" noChangeArrowheads="1"/>
           </p:cNvPicPr>
           <p:nvPr/>
         </p:nvPicPr>
         <p:blipFill>
-          <a:blip r:embed="rId4">
+          <a:blip r:embed="rId2">
             <a:extLst>
               <a:ext uri="{28A0092B-C50C-407E-A947-70E740481C1C}">
                 <a14:useLocalDpi xmlns:a14="http://schemas.microsoft.com/office/drawing/2010/main" val="0"/>
@@ -7036,8 +7086,8 @@
         </p:blipFill>
         <p:spPr bwMode="auto">
           <a:xfrm>
-            <a:off x="4716016" y="2919413"/>
-            <a:ext cx="3744416" cy="1661715"/>
+            <a:off x="683568" y="3024718"/>
+            <a:ext cx="3600400" cy="1296144"/>
           </a:xfrm>
           <a:prstGeom prst="rect">
             <a:avLst/>
@@ -7069,14 +7119,14 @@
       </p:pic>
       <p:pic>
         <p:nvPicPr>
-          <p:cNvPr id="19461" name="Picture 5"/>
+          <p:cNvPr id="19459" name="Picture 3"/>
           <p:cNvPicPr>
             <a:picLocks noChangeAspect="1" noChangeArrowheads="1"/>
           </p:cNvPicPr>
           <p:nvPr/>
         </p:nvPicPr>
         <p:blipFill>
-          <a:blip r:embed="rId5">
+          <a:blip r:embed="rId3">
             <a:extLst>
               <a:ext uri="{28A0092B-C50C-407E-A947-70E740481C1C}">
                 <a14:useLocalDpi xmlns:a14="http://schemas.microsoft.com/office/drawing/2010/main" val="0"/>
@@ -7090,8 +7140,8 @@
         </p:blipFill>
         <p:spPr bwMode="auto">
           <a:xfrm>
-            <a:off x="4716016" y="4581128"/>
-            <a:ext cx="3744416" cy="2043990"/>
+            <a:off x="683568" y="4320862"/>
+            <a:ext cx="3456384" cy="2304256"/>
           </a:xfrm>
           <a:prstGeom prst="rect">
             <a:avLst/>
@@ -7121,6 +7171,114 @@
           </a:extLst>
         </p:spPr>
       </p:pic>
+      <p:pic>
+        <p:nvPicPr>
+          <p:cNvPr id="19460" name="Picture 4"/>
+          <p:cNvPicPr>
+            <a:picLocks noChangeAspect="1" noChangeArrowheads="1"/>
+          </p:cNvPicPr>
+          <p:nvPr/>
+        </p:nvPicPr>
+        <p:blipFill>
+          <a:blip r:embed="rId4">
+            <a:extLst>
+              <a:ext uri="{28A0092B-C50C-407E-A947-70E740481C1C}">
+                <a14:useLocalDpi xmlns:a14="http://schemas.microsoft.com/office/drawing/2010/main" val="0"/>
+              </a:ext>
+            </a:extLst>
+          </a:blip>
+          <a:srcRect/>
+          <a:stretch>
+            <a:fillRect/>
+          </a:stretch>
+        </p:blipFill>
+        <p:spPr bwMode="auto">
+          <a:xfrm>
+            <a:off x="4716016" y="2919413"/>
+            <a:ext cx="3744416" cy="1661715"/>
+          </a:xfrm>
+          <a:prstGeom prst="rect">
+            <a:avLst/>
+          </a:prstGeom>
+          <a:noFill/>
+          <a:ln>
+            <a:noFill/>
+          </a:ln>
+          <a:extLst>
+            <a:ext uri="{909E8E84-426E-40DD-AFC4-6F175D3DCCD1}">
+              <a14:hiddenFill xmlns:a14="http://schemas.microsoft.com/office/drawing/2010/main">
+                <a:solidFill>
+                  <a:schemeClr val="accent1"/>
+                </a:solidFill>
+              </a14:hiddenFill>
+            </a:ext>
+            <a:ext uri="{91240B29-F687-4F45-9708-019B960494DF}">
+              <a14:hiddenLine xmlns:a14="http://schemas.microsoft.com/office/drawing/2010/main" w="9525">
+                <a:solidFill>
+                  <a:schemeClr val="tx1"/>
+                </a:solidFill>
+                <a:miter lim="800000"/>
+                <a:headEnd/>
+                <a:tailEnd/>
+              </a14:hiddenLine>
+            </a:ext>
+          </a:extLst>
+        </p:spPr>
+      </p:pic>
+      <p:pic>
+        <p:nvPicPr>
+          <p:cNvPr id="19461" name="Picture 5"/>
+          <p:cNvPicPr>
+            <a:picLocks noChangeAspect="1" noChangeArrowheads="1"/>
+          </p:cNvPicPr>
+          <p:nvPr/>
+        </p:nvPicPr>
+        <p:blipFill>
+          <a:blip r:embed="rId5">
+            <a:extLst>
+              <a:ext uri="{28A0092B-C50C-407E-A947-70E740481C1C}">
+                <a14:useLocalDpi xmlns:a14="http://schemas.microsoft.com/office/drawing/2010/main" val="0"/>
+              </a:ext>
+            </a:extLst>
+          </a:blip>
+          <a:srcRect/>
+          <a:stretch>
+            <a:fillRect/>
+          </a:stretch>
+        </p:blipFill>
+        <p:spPr bwMode="auto">
+          <a:xfrm>
+            <a:off x="4716016" y="4581128"/>
+            <a:ext cx="3744416" cy="2043990"/>
+          </a:xfrm>
+          <a:prstGeom prst="rect">
+            <a:avLst/>
+          </a:prstGeom>
+          <a:noFill/>
+          <a:ln>
+            <a:noFill/>
+          </a:ln>
+          <a:extLst>
+            <a:ext uri="{909E8E84-426E-40DD-AFC4-6F175D3DCCD1}">
+              <a14:hiddenFill xmlns:a14="http://schemas.microsoft.com/office/drawing/2010/main">
+                <a:solidFill>
+                  <a:schemeClr val="accent1"/>
+                </a:solidFill>
+              </a14:hiddenFill>
+            </a:ext>
+            <a:ext uri="{91240B29-F687-4F45-9708-019B960494DF}">
+              <a14:hiddenLine xmlns:a14="http://schemas.microsoft.com/office/drawing/2010/main" w="9525">
+                <a:solidFill>
+                  <a:schemeClr val="tx1"/>
+                </a:solidFill>
+                <a:miter lim="800000"/>
+                <a:headEnd/>
+                <a:tailEnd/>
+              </a14:hiddenLine>
+            </a:ext>
+          </a:extLst>
+        </p:spPr>
+      </p:pic>
     </p:spTree>
     <p:extLst>
       <p:ext uri="{BB962C8B-B14F-4D97-AF65-F5344CB8AC3E}">
@@ -7141,7 +7299,7 @@
 </p:sld>
 </file>
 
-<file path=ppt/slides/slide27.xml><?xml version="1.0" encoding="utf-8"?>
+<file path=ppt/slides/slide28.xml><?xml version="1.0" encoding="utf-8"?>
 <p:sld xmlns:a="http://schemas.openxmlformats.org/drawingml/2006/main" xmlns:r="http://schemas.openxmlformats.org/officeDocument/2006/relationships" xmlns:p="http://schemas.openxmlformats.org/presentationml/2006/main">
   <p:cSld>
     <p:spTree>
@@ -7241,6 +7399,103 @@
           <a:p>
             <a:r>
               <a:rPr lang="id-ID" dirty="0" smtClean="0"/>
+              <a:t>Kelebihan Python</a:t>
+            </a:r>
+            <a:endParaRPr lang="id-ID" dirty="0"/>
+          </a:p>
+        </p:txBody>
+      </p:sp>
+      <p:sp>
+        <p:nvSpPr>
+          <p:cNvPr id="3" name="Content Placeholder 2"/>
+          <p:cNvSpPr>
+            <a:spLocks noGrp="1"/>
+          </p:cNvSpPr>
+          <p:nvPr>
+            <p:ph idx="1"/>
+          </p:nvPr>
+        </p:nvSpPr>
+        <p:spPr/>
+        <p:txBody>
+          <a:bodyPr/>
+          <a:lstStyle/>
+          <a:p>
+            <a:pPr marL="578358" indent="-514350">
+              <a:buAutoNum type="arabicPeriod"/>
+            </a:pPr>
+            <a:r>
+              <a:rPr lang="id-ID" dirty="0" smtClean="0"/>
+              <a:t>Indentantion tab</a:t>
+            </a:r>
+          </a:p>
+          <a:p>
+            <a:pPr marL="578358" indent="-514350">
+              <a:buAutoNum type="arabicPeriod"/>
+            </a:pPr>
+            <a:r>
+              <a:rPr lang="id-ID" dirty="0" smtClean="0"/>
+              <a:t>Tidak butuh semicolon</a:t>
+            </a:r>
+          </a:p>
+          <a:p>
+            <a:pPr marL="578358" indent="-514350">
+              <a:buAutoNum type="arabicPeriod"/>
+            </a:pPr>
+            <a:r>
+              <a:rPr lang="id-ID" dirty="0" smtClean="0"/>
+              <a:t>Tidak perlu pendeklarasian variable</a:t>
+            </a:r>
+            <a:endParaRPr lang="id-ID" dirty="0"/>
+          </a:p>
+        </p:txBody>
+      </p:sp>
+    </p:spTree>
+    <p:extLst>
+      <p:ext uri="{BB962C8B-B14F-4D97-AF65-F5344CB8AC3E}">
+        <p14:creationId xmlns:p14="http://schemas.microsoft.com/office/powerpoint/2010/main" val="996887533"/>
+      </p:ext>
+    </p:extLst>
+  </p:cSld>
+  <p:clrMapOvr>
+    <a:masterClrMapping/>
+  </p:clrMapOvr>
+</p:sld>
+</file>
+
+<file path=ppt/slides/slide4.xml><?xml version="1.0" encoding="utf-8"?>
+<p:sld xmlns:a="http://schemas.openxmlformats.org/drawingml/2006/main" xmlns:r="http://schemas.openxmlformats.org/officeDocument/2006/relationships" xmlns:p="http://schemas.openxmlformats.org/presentationml/2006/main">
+  <p:cSld>
+    <p:spTree>
+      <p:nvGrpSpPr>
+        <p:cNvPr id="1" name=""/>
+        <p:cNvGrpSpPr/>
+        <p:nvPr/>
+      </p:nvGrpSpPr>
+      <p:grpSpPr>
+        <a:xfrm>
+          <a:off x="0" y="0"/>
+          <a:ext cx="0" cy="0"/>
+          <a:chOff x="0" y="0"/>
+          <a:chExt cx="0" cy="0"/>
+        </a:xfrm>
+      </p:grpSpPr>
+      <p:sp>
+        <p:nvSpPr>
+          <p:cNvPr id="2" name="Title 1"/>
+          <p:cNvSpPr>
+            <a:spLocks noGrp="1"/>
+          </p:cNvSpPr>
+          <p:nvPr>
+            <p:ph type="title"/>
+          </p:nvPr>
+        </p:nvSpPr>
+        <p:spPr/>
+        <p:txBody>
+          <a:bodyPr/>
+          <a:lstStyle/>
+          <a:p>
+            <a:r>
+              <a:rPr lang="id-ID" dirty="0" smtClean="0"/>
               <a:t>Instalasi Python</a:t>
             </a:r>
             <a:endParaRPr lang="id-ID" dirty="0"/>
@@ -7349,7 +7604,7 @@
 </p:sld>
 </file>
 
-<file path=ppt/slides/slide4.xml><?xml version="1.0" encoding="utf-8"?>
+<file path=ppt/slides/slide5.xml><?xml version="1.0" encoding="utf-8"?>
 <p:sld xmlns:a="http://schemas.openxmlformats.org/drawingml/2006/main" xmlns:r="http://schemas.openxmlformats.org/officeDocument/2006/relationships" xmlns:p="http://schemas.openxmlformats.org/presentationml/2006/main">
   <p:cSld>
     <p:spTree>
@@ -7478,103 +7733,6 @@
     <p:extLst>
       <p:ext uri="{BB962C8B-B14F-4D97-AF65-F5344CB8AC3E}">
         <p14:creationId xmlns:p14="http://schemas.microsoft.com/office/powerpoint/2010/main" val="1833691211"/>
-      </p:ext>
-    </p:extLst>
-  </p:cSld>
-  <p:clrMapOvr>
-    <a:masterClrMapping/>
-  </p:clrMapOvr>
-</p:sld>
-</file>
-
-<file path=ppt/slides/slide5.xml><?xml version="1.0" encoding="utf-8"?>
-<p:sld xmlns:a="http://schemas.openxmlformats.org/drawingml/2006/main" xmlns:r="http://schemas.openxmlformats.org/officeDocument/2006/relationships" xmlns:p="http://schemas.openxmlformats.org/presentationml/2006/main">
-  <p:cSld>
-    <p:spTree>
-      <p:nvGrpSpPr>
-        <p:cNvPr id="1" name=""/>
-        <p:cNvGrpSpPr/>
-        <p:nvPr/>
-      </p:nvGrpSpPr>
-      <p:grpSpPr>
-        <a:xfrm>
-          <a:off x="0" y="0"/>
-          <a:ext cx="0" cy="0"/>
-          <a:chOff x="0" y="0"/>
-          <a:chExt cx="0" cy="0"/>
-        </a:xfrm>
-      </p:grpSpPr>
-      <p:sp>
-        <p:nvSpPr>
-          <p:cNvPr id="2" name="Title 1"/>
-          <p:cNvSpPr>
-            <a:spLocks noGrp="1"/>
-          </p:cNvSpPr>
-          <p:nvPr>
-            <p:ph type="title"/>
-          </p:nvPr>
-        </p:nvSpPr>
-        <p:spPr/>
-        <p:txBody>
-          <a:bodyPr/>
-          <a:lstStyle/>
-          <a:p>
-            <a:r>
-              <a:rPr lang="id-ID" dirty="0" smtClean="0"/>
-              <a:t>Kelebihan Python</a:t>
-            </a:r>
-            <a:endParaRPr lang="id-ID" dirty="0"/>
-          </a:p>
-        </p:txBody>
-      </p:sp>
-      <p:sp>
-        <p:nvSpPr>
-          <p:cNvPr id="3" name="Content Placeholder 2"/>
-          <p:cNvSpPr>
-            <a:spLocks noGrp="1"/>
-          </p:cNvSpPr>
-          <p:nvPr>
-            <p:ph idx="1"/>
-          </p:nvPr>
-        </p:nvSpPr>
-        <p:spPr/>
-        <p:txBody>
-          <a:bodyPr/>
-          <a:lstStyle/>
-          <a:p>
-            <a:pPr marL="578358" indent="-514350">
-              <a:buAutoNum type="arabicPeriod"/>
-            </a:pPr>
-            <a:r>
-              <a:rPr lang="id-ID" dirty="0" smtClean="0"/>
-              <a:t>Indentantion tab</a:t>
-            </a:r>
-          </a:p>
-          <a:p>
-            <a:pPr marL="578358" indent="-514350">
-              <a:buAutoNum type="arabicPeriod"/>
-            </a:pPr>
-            <a:r>
-              <a:rPr lang="id-ID" dirty="0" smtClean="0"/>
-              <a:t>Tidak butuh semicolon</a:t>
-            </a:r>
-          </a:p>
-          <a:p>
-            <a:pPr marL="578358" indent="-514350">
-              <a:buAutoNum type="arabicPeriod"/>
-            </a:pPr>
-            <a:r>
-              <a:rPr lang="id-ID" dirty="0" smtClean="0"/>
-              <a:t>Tidak perlu pendeklarasian variable</a:t>
-            </a:r>
-            <a:endParaRPr lang="id-ID" dirty="0"/>
-          </a:p>
-        </p:txBody>
-      </p:sp>
-    </p:spTree>
-    <p:extLst>
-      <p:ext uri="{BB962C8B-B14F-4D97-AF65-F5344CB8AC3E}">
-        <p14:creationId xmlns:p14="http://schemas.microsoft.com/office/powerpoint/2010/main" val="996887533"/>
       </p:ext>
     </p:extLst>
   </p:cSld>
